--- a/case_drifters_german_bight/progress/lsc_221102.pptx
+++ b/case_drifters_german_bight/progress/lsc_221102.pptx
@@ -10,7 +10,15 @@
     <p:sldId id="258" r:id="rId4"/>
     <p:sldId id="259" r:id="rId5"/>
     <p:sldId id="260" r:id="rId6"/>
-    <p:sldId id="261" r:id="rId7"/>
+    <p:sldId id="265" r:id="rId7"/>
+    <p:sldId id="262" r:id="rId8"/>
+    <p:sldId id="264" r:id="rId9"/>
+    <p:sldId id="263" r:id="rId10"/>
+    <p:sldId id="266" r:id="rId11"/>
+    <p:sldId id="261" r:id="rId12"/>
+    <p:sldId id="267" r:id="rId13"/>
+    <p:sldId id="268" r:id="rId14"/>
+    <p:sldId id="269" r:id="rId15"/>
   </p:sldIdLst>
   <p:sldSz cx="12192000" cy="6858000"/>
   <p:notesSz cx="6858000" cy="9144000"/>
@@ -117,6 +125,90 @@
 </p:presentation>
 </file>
 
+<file path=ppt/ink/ink1.xml><?xml version="1.0" encoding="utf-8"?>
+<inkml:ink xmlns:inkml="http://www.w3.org/2003/InkML">
+  <inkml:definitions>
+    <inkml:context xml:id="ctx0">
+      <inkml:inkSource xml:id="inkSrc0">
+        <inkml:traceFormat>
+          <inkml:channel name="X" type="integer" min="-2.14748E9" max="2.14748E9" units="cm"/>
+          <inkml:channel name="Y" type="integer" min="-2.14748E9" max="2.14748E9" units="cm"/>
+          <inkml:channel name="F" type="integer" max="32767" units="dev"/>
+        </inkml:traceFormat>
+        <inkml:channelProperties>
+          <inkml:channelProperty channel="X" name="resolution" value="1000" units="1/cm"/>
+          <inkml:channelProperty channel="Y" name="resolution" value="1000" units="1/cm"/>
+          <inkml:channelProperty channel="F" name="resolution" value="0" units="1/dev"/>
+        </inkml:channelProperties>
+      </inkml:inkSource>
+      <inkml:timestamp xml:id="ts0" timeString="2022-11-11T14:10:17.690"/>
+    </inkml:context>
+    <inkml:brush xml:id="br0">
+      <inkml:brushProperty name="width" value="0.05" units="cm"/>
+      <inkml:brushProperty name="height" value="0.05" units="cm"/>
+      <inkml:brushProperty name="color" value="#E71224"/>
+    </inkml:brush>
+  </inkml:definitions>
+  <inkml:trace contextRef="#ctx0" brushRef="#br0">1 0 24575,'493'0'0,"-477"2"19,0-1 0,0 2 0,-1 0 0,1 1 0,28 11 0,28 8-1498,-52-19-5347</inkml:trace>
+</inkml:ink>
+</file>
+
+<file path=ppt/ink/ink2.xml><?xml version="1.0" encoding="utf-8"?>
+<inkml:ink xmlns:inkml="http://www.w3.org/2003/InkML">
+  <inkml:definitions>
+    <inkml:context xml:id="ctx0">
+      <inkml:inkSource xml:id="inkSrc0">
+        <inkml:traceFormat>
+          <inkml:channel name="X" type="integer" min="-2.14748E9" max="2.14748E9" units="cm"/>
+          <inkml:channel name="Y" type="integer" min="-2.14748E9" max="2.14748E9" units="cm"/>
+          <inkml:channel name="F" type="integer" max="32767" units="dev"/>
+        </inkml:traceFormat>
+        <inkml:channelProperties>
+          <inkml:channelProperty channel="X" name="resolution" value="1000" units="1/cm"/>
+          <inkml:channelProperty channel="Y" name="resolution" value="1000" units="1/cm"/>
+          <inkml:channelProperty channel="F" name="resolution" value="0" units="1/dev"/>
+        </inkml:channelProperties>
+      </inkml:inkSource>
+      <inkml:timestamp xml:id="ts0" timeString="2022-11-11T14:10:18.083"/>
+    </inkml:context>
+    <inkml:brush xml:id="br0">
+      <inkml:brushProperty name="width" value="0.05" units="cm"/>
+      <inkml:brushProperty name="height" value="0.05" units="cm"/>
+      <inkml:brushProperty name="color" value="#E71224"/>
+    </inkml:brush>
+  </inkml:definitions>
+  <inkml:trace contextRef="#ctx0" brushRef="#br0">1 1 24575,'0'0'-8191</inkml:trace>
+</inkml:ink>
+</file>
+
+<file path=ppt/ink/ink3.xml><?xml version="1.0" encoding="utf-8"?>
+<inkml:ink xmlns:inkml="http://www.w3.org/2003/InkML">
+  <inkml:definitions>
+    <inkml:context xml:id="ctx0">
+      <inkml:inkSource xml:id="inkSrc0">
+        <inkml:traceFormat>
+          <inkml:channel name="X" type="integer" min="-2.14748E9" max="2.14748E9" units="cm"/>
+          <inkml:channel name="Y" type="integer" min="-2.14748E9" max="2.14748E9" units="cm"/>
+          <inkml:channel name="F" type="integer" max="32767" units="dev"/>
+        </inkml:traceFormat>
+        <inkml:channelProperties>
+          <inkml:channelProperty channel="X" name="resolution" value="1000" units="1/cm"/>
+          <inkml:channelProperty channel="Y" name="resolution" value="1000" units="1/cm"/>
+          <inkml:channelProperty channel="F" name="resolution" value="0" units="1/dev"/>
+        </inkml:channelProperties>
+      </inkml:inkSource>
+      <inkml:timestamp xml:id="ts0" timeString="2022-11-11T14:40:19.747"/>
+    </inkml:context>
+    <inkml:brush xml:id="br0">
+      <inkml:brushProperty name="width" value="0.05" units="cm"/>
+      <inkml:brushProperty name="height" value="0.05" units="cm"/>
+      <inkml:brushProperty name="color" value="#E71224"/>
+    </inkml:brush>
+  </inkml:definitions>
+  <inkml:trace contextRef="#ctx0" brushRef="#br0">0 138 24575,'659'0'0,"-643"-1"0,0-1 0,-1-1 0,1 0 0,-1-1 0,26-10 0,-24 8 0,1 0 0,1 1 0,28-4 0,30 7 0,-55 3 0,-1-2 0,0 0 0,1-1 0,20-5 0,50-22-16,-67 19-208,0 2-1,0 1 0,1 1 0,-1 1 0,38-2 0,-39 7-6601</inkml:trace>
+</inkml:ink>
+</file>
+
 <file path=ppt/slideLayouts/slideLayout1.xml><?xml version="1.0" encoding="utf-8"?>
 <p:sldLayout xmlns:a="http://schemas.openxmlformats.org/drawingml/2006/main" xmlns:r="http://schemas.openxmlformats.org/officeDocument/2006/relationships" xmlns:p="http://schemas.openxmlformats.org/presentationml/2006/main" type="title" preserve="1">
   <p:cSld name="标题幻灯片">
@@ -264,7 +356,7 @@
           <a:p>
             <a:fld id="{EA6DD7DC-0098-4A4E-830C-B0D4E0F8B2FC}" type="datetimeFigureOut">
               <a:rPr lang="zh-CN" altLang="en-US" smtClean="0"/>
-              <a:t>2022/11/3</a:t>
+              <a:t>2022/11/30</a:t>
             </a:fld>
             <a:endParaRPr lang="zh-CN" altLang="en-US"/>
           </a:p>
@@ -462,7 +554,7 @@
           <a:p>
             <a:fld id="{EA6DD7DC-0098-4A4E-830C-B0D4E0F8B2FC}" type="datetimeFigureOut">
               <a:rPr lang="zh-CN" altLang="en-US" smtClean="0"/>
-              <a:t>2022/11/3</a:t>
+              <a:t>2022/11/30</a:t>
             </a:fld>
             <a:endParaRPr lang="zh-CN" altLang="en-US"/>
           </a:p>
@@ -670,7 +762,7 @@
           <a:p>
             <a:fld id="{EA6DD7DC-0098-4A4E-830C-B0D4E0F8B2FC}" type="datetimeFigureOut">
               <a:rPr lang="zh-CN" altLang="en-US" smtClean="0"/>
-              <a:t>2022/11/3</a:t>
+              <a:t>2022/11/30</a:t>
             </a:fld>
             <a:endParaRPr lang="zh-CN" altLang="en-US"/>
           </a:p>
@@ -868,7 +960,7 @@
           <a:p>
             <a:fld id="{EA6DD7DC-0098-4A4E-830C-B0D4E0F8B2FC}" type="datetimeFigureOut">
               <a:rPr lang="zh-CN" altLang="en-US" smtClean="0"/>
-              <a:t>2022/11/3</a:t>
+              <a:t>2022/11/30</a:t>
             </a:fld>
             <a:endParaRPr lang="zh-CN" altLang="en-US"/>
           </a:p>
@@ -1143,7 +1235,7 @@
           <a:p>
             <a:fld id="{EA6DD7DC-0098-4A4E-830C-B0D4E0F8B2FC}" type="datetimeFigureOut">
               <a:rPr lang="zh-CN" altLang="en-US" smtClean="0"/>
-              <a:t>2022/11/3</a:t>
+              <a:t>2022/11/30</a:t>
             </a:fld>
             <a:endParaRPr lang="zh-CN" altLang="en-US"/>
           </a:p>
@@ -1408,7 +1500,7 @@
           <a:p>
             <a:fld id="{EA6DD7DC-0098-4A4E-830C-B0D4E0F8B2FC}" type="datetimeFigureOut">
               <a:rPr lang="zh-CN" altLang="en-US" smtClean="0"/>
-              <a:t>2022/11/3</a:t>
+              <a:t>2022/11/30</a:t>
             </a:fld>
             <a:endParaRPr lang="zh-CN" altLang="en-US"/>
           </a:p>
@@ -1820,7 +1912,7 @@
           <a:p>
             <a:fld id="{EA6DD7DC-0098-4A4E-830C-B0D4E0F8B2FC}" type="datetimeFigureOut">
               <a:rPr lang="zh-CN" altLang="en-US" smtClean="0"/>
-              <a:t>2022/11/3</a:t>
+              <a:t>2022/11/30</a:t>
             </a:fld>
             <a:endParaRPr lang="zh-CN" altLang="en-US"/>
           </a:p>
@@ -1961,7 +2053,7 @@
           <a:p>
             <a:fld id="{EA6DD7DC-0098-4A4E-830C-B0D4E0F8B2FC}" type="datetimeFigureOut">
               <a:rPr lang="zh-CN" altLang="en-US" smtClean="0"/>
-              <a:t>2022/11/3</a:t>
+              <a:t>2022/11/30</a:t>
             </a:fld>
             <a:endParaRPr lang="zh-CN" altLang="en-US"/>
           </a:p>
@@ -2074,7 +2166,7 @@
           <a:p>
             <a:fld id="{EA6DD7DC-0098-4A4E-830C-B0D4E0F8B2FC}" type="datetimeFigureOut">
               <a:rPr lang="zh-CN" altLang="en-US" smtClean="0"/>
-              <a:t>2022/11/3</a:t>
+              <a:t>2022/11/30</a:t>
             </a:fld>
             <a:endParaRPr lang="zh-CN" altLang="en-US"/>
           </a:p>
@@ -2385,7 +2477,7 @@
           <a:p>
             <a:fld id="{EA6DD7DC-0098-4A4E-830C-B0D4E0F8B2FC}" type="datetimeFigureOut">
               <a:rPr lang="zh-CN" altLang="en-US" smtClean="0"/>
-              <a:t>2022/11/3</a:t>
+              <a:t>2022/11/30</a:t>
             </a:fld>
             <a:endParaRPr lang="zh-CN" altLang="en-US"/>
           </a:p>
@@ -2673,7 +2765,7 @@
           <a:p>
             <a:fld id="{EA6DD7DC-0098-4A4E-830C-B0D4E0F8B2FC}" type="datetimeFigureOut">
               <a:rPr lang="zh-CN" altLang="en-US" smtClean="0"/>
-              <a:t>2022/11/3</a:t>
+              <a:t>2022/11/30</a:t>
             </a:fld>
             <a:endParaRPr lang="zh-CN" altLang="en-US"/>
           </a:p>
@@ -2914,7 +3006,7 @@
           <a:p>
             <a:fld id="{EA6DD7DC-0098-4A4E-830C-B0D4E0F8B2FC}" type="datetimeFigureOut">
               <a:rPr lang="zh-CN" altLang="en-US" smtClean="0"/>
-              <a:t>2022/11/3</a:t>
+              <a:t>2022/11/30</a:t>
             </a:fld>
             <a:endParaRPr lang="zh-CN" altLang="en-US"/>
           </a:p>
@@ -3409,6 +3501,475 @@
 </p:sld>
 </file>
 
+<file path=ppt/slides/slide10.xml><?xml version="1.0" encoding="utf-8"?>
+<p:sld xmlns:a="http://schemas.openxmlformats.org/drawingml/2006/main" xmlns:r="http://schemas.openxmlformats.org/officeDocument/2006/relationships" xmlns:p="http://schemas.openxmlformats.org/presentationml/2006/main">
+  <p:cSld>
+    <p:spTree>
+      <p:nvGrpSpPr>
+        <p:cNvPr id="1" name=""/>
+        <p:cNvGrpSpPr/>
+        <p:nvPr/>
+      </p:nvGrpSpPr>
+      <p:grpSpPr>
+        <a:xfrm>
+          <a:off x="0" y="0"/>
+          <a:ext cx="0" cy="0"/>
+          <a:chOff x="0" y="0"/>
+          <a:chExt cx="0" cy="0"/>
+        </a:xfrm>
+      </p:grpSpPr>
+      <p:pic>
+        <p:nvPicPr>
+          <p:cNvPr id="4" name="图片 3">
+            <a:extLst>
+              <a:ext uri="{FF2B5EF4-FFF2-40B4-BE49-F238E27FC236}">
+                <a16:creationId xmlns:a16="http://schemas.microsoft.com/office/drawing/2014/main" id="{A5660003-6D17-241F-BBF4-343FDA1D950E}"/>
+              </a:ext>
+            </a:extLst>
+          </p:cNvPr>
+          <p:cNvPicPr>
+            <a:picLocks noChangeAspect="1"/>
+          </p:cNvPicPr>
+          <p:nvPr/>
+        </p:nvPicPr>
+        <p:blipFill>
+          <a:blip r:embed="rId2"/>
+          <a:stretch>
+            <a:fillRect/>
+          </a:stretch>
+        </p:blipFill>
+        <p:spPr>
+          <a:xfrm>
+            <a:off x="1824037" y="1343025"/>
+            <a:ext cx="8543925" cy="4171950"/>
+          </a:xfrm>
+          <a:prstGeom prst="rect">
+            <a:avLst/>
+          </a:prstGeom>
+        </p:spPr>
+      </p:pic>
+    </p:spTree>
+    <p:extLst>
+      <p:ext uri="{BB962C8B-B14F-4D97-AF65-F5344CB8AC3E}">
+        <p14:creationId xmlns:p14="http://schemas.microsoft.com/office/powerpoint/2010/main" val="1541105026"/>
+      </p:ext>
+    </p:extLst>
+  </p:cSld>
+  <p:clrMapOvr>
+    <a:masterClrMapping/>
+  </p:clrMapOvr>
+</p:sld>
+</file>
+
+<file path=ppt/slides/slide11.xml><?xml version="1.0" encoding="utf-8"?>
+<p:sld xmlns:a="http://schemas.openxmlformats.org/drawingml/2006/main" xmlns:r="http://schemas.openxmlformats.org/officeDocument/2006/relationships" xmlns:p="http://schemas.openxmlformats.org/presentationml/2006/main">
+  <p:cSld>
+    <p:spTree>
+      <p:nvGrpSpPr>
+        <p:cNvPr id="1" name=""/>
+        <p:cNvGrpSpPr/>
+        <p:nvPr/>
+      </p:nvGrpSpPr>
+      <p:grpSpPr>
+        <a:xfrm>
+          <a:off x="0" y="0"/>
+          <a:ext cx="0" cy="0"/>
+          <a:chOff x="0" y="0"/>
+          <a:chExt cx="0" cy="0"/>
+        </a:xfrm>
+      </p:grpSpPr>
+      <p:pic>
+        <p:nvPicPr>
+          <p:cNvPr id="4" name="图片 3">
+            <a:extLst>
+              <a:ext uri="{FF2B5EF4-FFF2-40B4-BE49-F238E27FC236}">
+                <a16:creationId xmlns:a16="http://schemas.microsoft.com/office/drawing/2014/main" id="{6D023327-A418-CD32-B045-C58DFE818C78}"/>
+              </a:ext>
+            </a:extLst>
+          </p:cNvPr>
+          <p:cNvPicPr>
+            <a:picLocks noChangeAspect="1"/>
+          </p:cNvPicPr>
+          <p:nvPr/>
+        </p:nvPicPr>
+        <p:blipFill>
+          <a:blip r:embed="rId2"/>
+          <a:stretch>
+            <a:fillRect/>
+          </a:stretch>
+        </p:blipFill>
+        <p:spPr>
+          <a:xfrm>
+            <a:off x="648930" y="3429000"/>
+            <a:ext cx="8648700" cy="1819275"/>
+          </a:xfrm>
+          <a:prstGeom prst="rect">
+            <a:avLst/>
+          </a:prstGeom>
+        </p:spPr>
+      </p:pic>
+      <p:sp>
+        <p:nvSpPr>
+          <p:cNvPr id="6" name="文本框 5">
+            <a:extLst>
+              <a:ext uri="{FF2B5EF4-FFF2-40B4-BE49-F238E27FC236}">
+                <a16:creationId xmlns:a16="http://schemas.microsoft.com/office/drawing/2014/main" id="{E214EEB2-7F73-6301-EF6F-1DDB4E3D0EDB}"/>
+              </a:ext>
+            </a:extLst>
+          </p:cNvPr>
+          <p:cNvSpPr txBox="1"/>
+          <p:nvPr/>
+        </p:nvSpPr>
+        <p:spPr>
+          <a:xfrm>
+            <a:off x="648930" y="196646"/>
+            <a:ext cx="9301316" cy="400110"/>
+          </a:xfrm>
+          <a:prstGeom prst="rect">
+            <a:avLst/>
+          </a:prstGeom>
+          <a:noFill/>
+        </p:spPr>
+        <p:txBody>
+          <a:bodyPr wrap="square" rtlCol="0">
+            <a:spAutoFit/>
+          </a:bodyPr>
+          <a:lstStyle/>
+          <a:p>
+            <a:r>
+              <a:rPr lang="en-US" altLang="zh-CN" sz="2000" dirty="0">
+                <a:latin typeface="Times New Roman" panose="02020603050405020304" pitchFamily="18" charset="0"/>
+                <a:cs typeface="Times New Roman" panose="02020603050405020304" pitchFamily="18" charset="0"/>
+              </a:rPr>
+              <a:t>Is adding Brownian process done correctly here? </a:t>
+            </a:r>
+            <a:endParaRPr lang="zh-CN" altLang="en-US" sz="2000" dirty="0">
+              <a:latin typeface="Times New Roman" panose="02020603050405020304" pitchFamily="18" charset="0"/>
+              <a:cs typeface="Times New Roman" panose="02020603050405020304" pitchFamily="18" charset="0"/>
+            </a:endParaRPr>
+          </a:p>
+        </p:txBody>
+      </p:sp>
+      <p:pic>
+        <p:nvPicPr>
+          <p:cNvPr id="9" name="图片 8">
+            <a:extLst>
+              <a:ext uri="{FF2B5EF4-FFF2-40B4-BE49-F238E27FC236}">
+                <a16:creationId xmlns:a16="http://schemas.microsoft.com/office/drawing/2014/main" id="{CBE2ACD9-DABD-DDC8-37D8-2AF5C78F00D6}"/>
+              </a:ext>
+            </a:extLst>
+          </p:cNvPr>
+          <p:cNvPicPr>
+            <a:picLocks noChangeAspect="1"/>
+          </p:cNvPicPr>
+          <p:nvPr/>
+        </p:nvPicPr>
+        <p:blipFill>
+          <a:blip r:embed="rId3"/>
+          <a:stretch>
+            <a:fillRect/>
+          </a:stretch>
+        </p:blipFill>
+        <p:spPr>
+          <a:xfrm>
+            <a:off x="648930" y="751399"/>
+            <a:ext cx="10134600" cy="2543175"/>
+          </a:xfrm>
+          <a:prstGeom prst="rect">
+            <a:avLst/>
+          </a:prstGeom>
+        </p:spPr>
+      </p:pic>
+      <p:pic>
+        <p:nvPicPr>
+          <p:cNvPr id="2" name="图片 1">
+            <a:extLst>
+              <a:ext uri="{FF2B5EF4-FFF2-40B4-BE49-F238E27FC236}">
+                <a16:creationId xmlns:a16="http://schemas.microsoft.com/office/drawing/2014/main" id="{490C37DD-36BF-5918-9C8A-5B560A3127F1}"/>
+              </a:ext>
+            </a:extLst>
+          </p:cNvPr>
+          <p:cNvPicPr>
+            <a:picLocks noChangeAspect="1"/>
+          </p:cNvPicPr>
+          <p:nvPr/>
+        </p:nvPicPr>
+        <p:blipFill>
+          <a:blip r:embed="rId4"/>
+          <a:stretch>
+            <a:fillRect/>
+          </a:stretch>
+        </p:blipFill>
+        <p:spPr>
+          <a:xfrm>
+            <a:off x="747712" y="5382701"/>
+            <a:ext cx="7038975" cy="1057275"/>
+          </a:xfrm>
+          <a:prstGeom prst="rect">
+            <a:avLst/>
+          </a:prstGeom>
+        </p:spPr>
+      </p:pic>
+    </p:spTree>
+    <p:extLst>
+      <p:ext uri="{BB962C8B-B14F-4D97-AF65-F5344CB8AC3E}">
+        <p14:creationId xmlns:p14="http://schemas.microsoft.com/office/powerpoint/2010/main" val="3747810142"/>
+      </p:ext>
+    </p:extLst>
+  </p:cSld>
+  <p:clrMapOvr>
+    <a:masterClrMapping/>
+  </p:clrMapOvr>
+</p:sld>
+</file>
+
+<file path=ppt/slides/slide12.xml><?xml version="1.0" encoding="utf-8"?>
+<p:sld xmlns:a="http://schemas.openxmlformats.org/drawingml/2006/main" xmlns:r="http://schemas.openxmlformats.org/officeDocument/2006/relationships" xmlns:p="http://schemas.openxmlformats.org/presentationml/2006/main">
+  <p:cSld>
+    <p:spTree>
+      <p:nvGrpSpPr>
+        <p:cNvPr id="1" name=""/>
+        <p:cNvGrpSpPr/>
+        <p:nvPr/>
+      </p:nvGrpSpPr>
+      <p:grpSpPr>
+        <a:xfrm>
+          <a:off x="0" y="0"/>
+          <a:ext cx="0" cy="0"/>
+          <a:chOff x="0" y="0"/>
+          <a:chExt cx="0" cy="0"/>
+        </a:xfrm>
+      </p:grpSpPr>
+      <p:sp>
+        <p:nvSpPr>
+          <p:cNvPr id="2" name="标题 1">
+            <a:extLst>
+              <a:ext uri="{FF2B5EF4-FFF2-40B4-BE49-F238E27FC236}">
+                <a16:creationId xmlns:a16="http://schemas.microsoft.com/office/drawing/2014/main" id="{BB8CBEBA-4495-D78E-EB4C-666E5A98F11C}"/>
+              </a:ext>
+            </a:extLst>
+          </p:cNvPr>
+          <p:cNvSpPr>
+            <a:spLocks noGrp="1"/>
+          </p:cNvSpPr>
+          <p:nvPr>
+            <p:ph type="title"/>
+          </p:nvPr>
+        </p:nvSpPr>
+        <p:spPr>
+          <a:xfrm>
+            <a:off x="592394" y="186813"/>
+            <a:ext cx="2671916" cy="1325563"/>
+          </a:xfrm>
+        </p:spPr>
+        <p:txBody>
+          <a:bodyPr/>
+          <a:lstStyle/>
+          <a:p>
+            <a:r>
+              <a:rPr lang="en-US" altLang="zh-CN" dirty="0"/>
+              <a:t>22.12.01</a:t>
+            </a:r>
+            <a:endParaRPr lang="zh-CN" altLang="en-US" dirty="0"/>
+          </a:p>
+        </p:txBody>
+      </p:sp>
+      <p:sp>
+        <p:nvSpPr>
+          <p:cNvPr id="4" name="文本框 3">
+            <a:extLst>
+              <a:ext uri="{FF2B5EF4-FFF2-40B4-BE49-F238E27FC236}">
+                <a16:creationId xmlns:a16="http://schemas.microsoft.com/office/drawing/2014/main" id="{8F37E2FE-DC2D-3F00-FAC1-7A9581A3B560}"/>
+              </a:ext>
+            </a:extLst>
+          </p:cNvPr>
+          <p:cNvSpPr txBox="1"/>
+          <p:nvPr/>
+        </p:nvSpPr>
+        <p:spPr>
+          <a:xfrm>
+            <a:off x="717755" y="1622323"/>
+            <a:ext cx="7718322" cy="1384995"/>
+          </a:xfrm>
+          <a:prstGeom prst="rect">
+            <a:avLst/>
+          </a:prstGeom>
+          <a:noFill/>
+        </p:spPr>
+        <p:txBody>
+          <a:bodyPr wrap="square" rtlCol="0">
+            <a:spAutoFit/>
+          </a:bodyPr>
+          <a:lstStyle/>
+          <a:p>
+            <a:pPr marL="457200" indent="-457200">
+              <a:buFont typeface="Arial" panose="020B0604020202020204" pitchFamily="34" charset="0"/>
+              <a:buChar char="•"/>
+            </a:pPr>
+            <a:r>
+              <a:rPr lang="en-US" altLang="zh-CN" sz="2800" dirty="0"/>
+              <a:t>Reproducing Nelleke’s experiment</a:t>
+            </a:r>
+          </a:p>
+          <a:p>
+            <a:pPr marL="457200" indent="-457200">
+              <a:buFont typeface="Arial" panose="020B0604020202020204" pitchFamily="34" charset="0"/>
+              <a:buChar char="•"/>
+            </a:pPr>
+            <a:endParaRPr lang="en-US" altLang="zh-CN" sz="2800" dirty="0"/>
+          </a:p>
+          <a:p>
+            <a:pPr marL="457200" indent="-457200">
+              <a:buFont typeface="Arial" panose="020B0604020202020204" pitchFamily="34" charset="0"/>
+              <a:buChar char="•"/>
+            </a:pPr>
+            <a:r>
+              <a:rPr lang="en-US" altLang="zh-CN" sz="2800" dirty="0"/>
+              <a:t>Plot the lock-exchange flow</a:t>
+            </a:r>
+            <a:endParaRPr lang="zh-CN" altLang="en-US" sz="2800" dirty="0"/>
+          </a:p>
+        </p:txBody>
+      </p:sp>
+    </p:spTree>
+    <p:extLst>
+      <p:ext uri="{BB962C8B-B14F-4D97-AF65-F5344CB8AC3E}">
+        <p14:creationId xmlns:p14="http://schemas.microsoft.com/office/powerpoint/2010/main" val="13645805"/>
+      </p:ext>
+    </p:extLst>
+  </p:cSld>
+  <p:clrMapOvr>
+    <a:masterClrMapping/>
+  </p:clrMapOvr>
+</p:sld>
+</file>
+
+<file path=ppt/slides/slide13.xml><?xml version="1.0" encoding="utf-8"?>
+<p:sld xmlns:a="http://schemas.openxmlformats.org/drawingml/2006/main" xmlns:r="http://schemas.openxmlformats.org/officeDocument/2006/relationships" xmlns:p="http://schemas.openxmlformats.org/presentationml/2006/main">
+  <p:cSld>
+    <p:spTree>
+      <p:nvGrpSpPr>
+        <p:cNvPr id="1" name=""/>
+        <p:cNvGrpSpPr/>
+        <p:nvPr/>
+      </p:nvGrpSpPr>
+      <p:grpSpPr>
+        <a:xfrm>
+          <a:off x="0" y="0"/>
+          <a:ext cx="0" cy="0"/>
+          <a:chOff x="0" y="0"/>
+          <a:chExt cx="0" cy="0"/>
+        </a:xfrm>
+      </p:grpSpPr>
+      <p:pic>
+        <p:nvPicPr>
+          <p:cNvPr id="4" name="图片 3">
+            <a:extLst>
+              <a:ext uri="{FF2B5EF4-FFF2-40B4-BE49-F238E27FC236}">
+                <a16:creationId xmlns:a16="http://schemas.microsoft.com/office/drawing/2014/main" id="{95CDC0B3-83B2-5E9B-67AB-8C1E78DDAA7F}"/>
+              </a:ext>
+            </a:extLst>
+          </p:cNvPr>
+          <p:cNvPicPr>
+            <a:picLocks noChangeAspect="1"/>
+          </p:cNvPicPr>
+          <p:nvPr/>
+        </p:nvPicPr>
+        <p:blipFill>
+          <a:blip r:embed="rId2"/>
+          <a:stretch>
+            <a:fillRect/>
+          </a:stretch>
+        </p:blipFill>
+        <p:spPr>
+          <a:xfrm>
+            <a:off x="0" y="194194"/>
+            <a:ext cx="12192000" cy="6469611"/>
+          </a:xfrm>
+          <a:prstGeom prst="rect">
+            <a:avLst/>
+          </a:prstGeom>
+        </p:spPr>
+      </p:pic>
+    </p:spTree>
+    <p:extLst>
+      <p:ext uri="{BB962C8B-B14F-4D97-AF65-F5344CB8AC3E}">
+        <p14:creationId xmlns:p14="http://schemas.microsoft.com/office/powerpoint/2010/main" val="3317092479"/>
+      </p:ext>
+    </p:extLst>
+  </p:cSld>
+  <p:clrMapOvr>
+    <a:masterClrMapping/>
+  </p:clrMapOvr>
+</p:sld>
+</file>
+
+<file path=ppt/slides/slide14.xml><?xml version="1.0" encoding="utf-8"?>
+<p:sld xmlns:a="http://schemas.openxmlformats.org/drawingml/2006/main" xmlns:r="http://schemas.openxmlformats.org/officeDocument/2006/relationships" xmlns:p="http://schemas.openxmlformats.org/presentationml/2006/main">
+  <p:cSld>
+    <p:spTree>
+      <p:nvGrpSpPr>
+        <p:cNvPr id="1" name=""/>
+        <p:cNvGrpSpPr/>
+        <p:nvPr/>
+      </p:nvGrpSpPr>
+      <p:grpSpPr>
+        <a:xfrm>
+          <a:off x="0" y="0"/>
+          <a:ext cx="0" cy="0"/>
+          <a:chOff x="0" y="0"/>
+          <a:chExt cx="0" cy="0"/>
+        </a:xfrm>
+      </p:grpSpPr>
+      <p:pic>
+        <p:nvPicPr>
+          <p:cNvPr id="5" name="图片 4" descr="图片包含 图表&#10;&#10;描述已自动生成">
+            <a:extLst>
+              <a:ext uri="{FF2B5EF4-FFF2-40B4-BE49-F238E27FC236}">
+                <a16:creationId xmlns:a16="http://schemas.microsoft.com/office/drawing/2014/main" id="{23D1E9AC-3C22-F4F0-7555-E0085F71DE65}"/>
+              </a:ext>
+            </a:extLst>
+          </p:cNvPr>
+          <p:cNvPicPr>
+            <a:picLocks noChangeAspect="1"/>
+          </p:cNvPicPr>
+          <p:nvPr/>
+        </p:nvPicPr>
+        <p:blipFill>
+          <a:blip r:embed="rId2">
+            <a:extLst>
+              <a:ext uri="{28A0092B-C50C-407E-A947-70E740481C1C}">
+                <a14:useLocalDpi xmlns:a14="http://schemas.microsoft.com/office/drawing/2010/main" val="0"/>
+              </a:ext>
+            </a:extLst>
+          </a:blip>
+          <a:stretch>
+            <a:fillRect/>
+          </a:stretch>
+        </p:blipFill>
+        <p:spPr>
+          <a:xfrm>
+            <a:off x="95250" y="0"/>
+            <a:ext cx="12001500" cy="6858000"/>
+          </a:xfrm>
+          <a:prstGeom prst="rect">
+            <a:avLst/>
+          </a:prstGeom>
+        </p:spPr>
+      </p:pic>
+    </p:spTree>
+    <p:extLst>
+      <p:ext uri="{BB962C8B-B14F-4D97-AF65-F5344CB8AC3E}">
+        <p14:creationId xmlns:p14="http://schemas.microsoft.com/office/powerpoint/2010/main" val="2509587988"/>
+      </p:ext>
+    </p:extLst>
+  </p:cSld>
+  <p:clrMapOvr>
+    <a:masterClrMapping/>
+  </p:clrMapOvr>
+</p:sld>
+</file>
+
 <file path=ppt/slides/slide2.xml><?xml version="1.0" encoding="utf-8"?>
 <p:sld xmlns:a="http://schemas.openxmlformats.org/drawingml/2006/main" xmlns:r="http://schemas.openxmlformats.org/officeDocument/2006/relationships" xmlns:p="http://schemas.openxmlformats.org/presentationml/2006/main">
   <p:cSld>
@@ -4157,10 +4718,10 @@
       </p:grpSpPr>
       <p:pic>
         <p:nvPicPr>
-          <p:cNvPr id="4" name="图片 3">
-            <a:extLst>
-              <a:ext uri="{FF2B5EF4-FFF2-40B4-BE49-F238E27FC236}">
-                <a16:creationId xmlns:a16="http://schemas.microsoft.com/office/drawing/2014/main" id="{55C65A2B-8F43-0F5B-EC3E-59C712577E2D}"/>
+          <p:cNvPr id="6" name="图片 5">
+            <a:extLst>
+              <a:ext uri="{FF2B5EF4-FFF2-40B4-BE49-F238E27FC236}">
+                <a16:creationId xmlns:a16="http://schemas.microsoft.com/office/drawing/2014/main" id="{2CF5B5D2-745D-12F8-94E8-52C66243FE96}"/>
               </a:ext>
             </a:extLst>
           </p:cNvPr>
@@ -4177,38 +4738,8 @@
         </p:blipFill>
         <p:spPr>
           <a:xfrm>
-            <a:off x="3919345" y="0"/>
-            <a:ext cx="8272655" cy="6858000"/>
-          </a:xfrm>
-          <a:prstGeom prst="rect">
-            <a:avLst/>
-          </a:prstGeom>
-        </p:spPr>
-      </p:pic>
-      <p:pic>
-        <p:nvPicPr>
-          <p:cNvPr id="6" name="图片 5">
-            <a:extLst>
-              <a:ext uri="{FF2B5EF4-FFF2-40B4-BE49-F238E27FC236}">
-                <a16:creationId xmlns:a16="http://schemas.microsoft.com/office/drawing/2014/main" id="{2CF5B5D2-745D-12F8-94E8-52C66243FE96}"/>
-              </a:ext>
-            </a:extLst>
-          </p:cNvPr>
-          <p:cNvPicPr>
-            <a:picLocks noChangeAspect="1"/>
-          </p:cNvPicPr>
-          <p:nvPr/>
-        </p:nvPicPr>
-        <p:blipFill>
-          <a:blip r:embed="rId3"/>
-          <a:stretch>
-            <a:fillRect/>
-          </a:stretch>
-        </p:blipFill>
-        <p:spPr>
-          <a:xfrm>
-            <a:off x="0" y="235753"/>
-            <a:ext cx="8855331" cy="2316486"/>
+            <a:off x="3715632" y="1376516"/>
+            <a:ext cx="8371939" cy="2190034"/>
           </a:xfrm>
           <a:prstGeom prst="rect">
             <a:avLst/>
@@ -4315,7 +4846,7 @@
           <p:cNvPr id="4" name="图片 3">
             <a:extLst>
               <a:ext uri="{FF2B5EF4-FFF2-40B4-BE49-F238E27FC236}">
-                <a16:creationId xmlns:a16="http://schemas.microsoft.com/office/drawing/2014/main" id="{6D023327-A418-CD32-B045-C58DFE818C78}"/>
+                <a16:creationId xmlns:a16="http://schemas.microsoft.com/office/drawing/2014/main" id="{D0FEEE57-B7BF-DE27-3531-AEAC3DFA3E43}"/>
               </a:ext>
             </a:extLst>
           </p:cNvPr>
@@ -4332,8 +4863,8 @@
         </p:blipFill>
         <p:spPr>
           <a:xfrm>
-            <a:off x="975238" y="4210510"/>
-            <a:ext cx="8648700" cy="1819275"/>
+            <a:off x="4080387" y="133503"/>
+            <a:ext cx="8111613" cy="6724497"/>
           </a:xfrm>
           <a:prstGeom prst="rect">
             <a:avLst/>
@@ -4342,10 +4873,10 @@
       </p:pic>
       <p:sp>
         <p:nvSpPr>
-          <p:cNvPr id="6" name="文本框 5">
-            <a:extLst>
-              <a:ext uri="{FF2B5EF4-FFF2-40B4-BE49-F238E27FC236}">
-                <a16:creationId xmlns:a16="http://schemas.microsoft.com/office/drawing/2014/main" id="{E214EEB2-7F73-6301-EF6F-1DDB4E3D0EDB}"/>
+          <p:cNvPr id="5" name="文本框 4">
+            <a:extLst>
+              <a:ext uri="{FF2B5EF4-FFF2-40B4-BE49-F238E27FC236}">
+                <a16:creationId xmlns:a16="http://schemas.microsoft.com/office/drawing/2014/main" id="{EEEDA582-69B8-38D0-D0CA-7810CA41D7B4}"/>
               </a:ext>
             </a:extLst>
           </p:cNvPr>
@@ -4354,8 +4885,8 @@
         </p:nvSpPr>
         <p:spPr>
           <a:xfrm>
-            <a:off x="1132861" y="943897"/>
-            <a:ext cx="9301316" cy="400110"/>
+            <a:off x="104429" y="2787992"/>
+            <a:ext cx="3814916" cy="3970318"/>
           </a:xfrm>
           <a:prstGeom prst="rect">
             <a:avLst/>
@@ -4363,31 +4894,114 @@
           <a:noFill/>
         </p:spPr>
         <p:txBody>
-          <a:bodyPr wrap="square" rtlCol="0">
+          <a:bodyPr wrap="square">
             <a:spAutoFit/>
           </a:bodyPr>
           <a:lstStyle/>
           <a:p>
             <a:r>
-              <a:rPr lang="en-US" altLang="zh-CN" sz="2000" dirty="0">
-                <a:latin typeface="Times New Roman" panose="02020603050405020304" pitchFamily="18" charset="0"/>
-                <a:cs typeface="Times New Roman" panose="02020603050405020304" pitchFamily="18" charset="0"/>
-              </a:rPr>
-              <a:t>Is adding Brownian process correctly here? </a:t>
-            </a:r>
-            <a:endParaRPr lang="zh-CN" altLang="en-US" sz="2000" dirty="0">
-              <a:latin typeface="Times New Roman" panose="02020603050405020304" pitchFamily="18" charset="0"/>
-              <a:cs typeface="Times New Roman" panose="02020603050405020304" pitchFamily="18" charset="0"/>
-            </a:endParaRPr>
-          </a:p>
-        </p:txBody>
-      </p:sp>
+              <a:rPr lang="zh-CN" altLang="en-US" dirty="0"/>
+              <a:t>julia&gt; filename = "data\\dcsm-fm_201703\\DCSM-FM_05nm_0001_map.nc"</a:t>
+            </a:r>
+          </a:p>
+          <a:p>
+            <a:r>
+              <a:rPr lang="zh-CN" altLang="en-US" dirty="0"/>
+              <a:t>"data\\dcsm-fm_201703\\DCSM-FM_05nm_0001_map.nc"</a:t>
+            </a:r>
+          </a:p>
+          <a:p>
+            <a:endParaRPr lang="zh-CN" altLang="en-US" dirty="0"/>
+          </a:p>
+          <a:p>
+            <a:r>
+              <a:rPr lang="zh-CN" altLang="en-US" dirty="0"/>
+              <a:t>julia&gt; filepath = joinpath(@__DIR__, filename)</a:t>
+            </a:r>
+          </a:p>
+          <a:p>
+            <a:r>
+              <a:rPr lang="zh-CN" altLang="en-US" dirty="0"/>
+              <a:t>"I:\\Master_Thesis\\particles.jl\\case_drifters_german_bight\\data\\dcsm-fm_201703\\DCSM-FM_05nm_0001_map.nc"</a:t>
+            </a:r>
+          </a:p>
+          <a:p>
+            <a:endParaRPr lang="zh-CN" altLang="en-US" dirty="0"/>
+          </a:p>
+          <a:p>
+            <a:r>
+              <a:rPr lang="zh-CN" altLang="en-US" dirty="0"/>
+              <a:t>julia&gt; ncinfo(filename)</a:t>
+            </a:r>
+          </a:p>
+        </p:txBody>
+      </p:sp>
+    </p:spTree>
+    <p:extLst>
+      <p:ext uri="{BB962C8B-B14F-4D97-AF65-F5344CB8AC3E}">
+        <p14:creationId xmlns:p14="http://schemas.microsoft.com/office/powerpoint/2010/main" val="2692592295"/>
+      </p:ext>
+    </p:extLst>
+  </p:cSld>
+  <p:clrMapOvr>
+    <a:masterClrMapping/>
+  </p:clrMapOvr>
+</p:sld>
+</file>
+
+<file path=ppt/slides/slide7.xml><?xml version="1.0" encoding="utf-8"?>
+<p:sld xmlns:a="http://schemas.openxmlformats.org/drawingml/2006/main" xmlns:r="http://schemas.openxmlformats.org/officeDocument/2006/relationships" xmlns:p="http://schemas.openxmlformats.org/presentationml/2006/main">
+  <p:cSld>
+    <p:spTree>
+      <p:nvGrpSpPr>
+        <p:cNvPr id="1" name=""/>
+        <p:cNvGrpSpPr/>
+        <p:nvPr/>
+      </p:nvGrpSpPr>
+      <p:grpSpPr>
+        <a:xfrm>
+          <a:off x="0" y="0"/>
+          <a:ext cx="0" cy="0"/>
+          <a:chOff x="0" y="0"/>
+          <a:chExt cx="0" cy="0"/>
+        </a:xfrm>
+      </p:grpSpPr>
       <p:pic>
         <p:nvPicPr>
-          <p:cNvPr id="9" name="图片 8">
-            <a:extLst>
-              <a:ext uri="{FF2B5EF4-FFF2-40B4-BE49-F238E27FC236}">
-                <a16:creationId xmlns:a16="http://schemas.microsoft.com/office/drawing/2014/main" id="{CBE2ACD9-DABD-DDC8-37D8-2AF5C78F00D6}"/>
+          <p:cNvPr id="4" name="图片 3">
+            <a:extLst>
+              <a:ext uri="{FF2B5EF4-FFF2-40B4-BE49-F238E27FC236}">
+                <a16:creationId xmlns:a16="http://schemas.microsoft.com/office/drawing/2014/main" id="{9D1C46E9-2CE0-9748-21CD-85349EBB306E}"/>
+              </a:ext>
+            </a:extLst>
+          </p:cNvPr>
+          <p:cNvPicPr>
+            <a:picLocks noChangeAspect="1"/>
+          </p:cNvPicPr>
+          <p:nvPr/>
+        </p:nvPicPr>
+        <p:blipFill>
+          <a:blip r:embed="rId2"/>
+          <a:stretch>
+            <a:fillRect/>
+          </a:stretch>
+        </p:blipFill>
+        <p:spPr>
+          <a:xfrm>
+            <a:off x="844498" y="225528"/>
+            <a:ext cx="9382125" cy="4381500"/>
+          </a:xfrm>
+          <a:prstGeom prst="rect">
+            <a:avLst/>
+          </a:prstGeom>
+        </p:spPr>
+      </p:pic>
+      <p:pic>
+        <p:nvPicPr>
+          <p:cNvPr id="5" name="图片 4">
+            <a:extLst>
+              <a:ext uri="{FF2B5EF4-FFF2-40B4-BE49-F238E27FC236}">
+                <a16:creationId xmlns:a16="http://schemas.microsoft.com/office/drawing/2014/main" id="{205FB522-C649-A842-E30A-62632080A1AB}"/>
               </a:ext>
             </a:extLst>
           </p:cNvPr>
@@ -4404,8 +5018,272 @@
         </p:blipFill>
         <p:spPr>
           <a:xfrm>
-            <a:off x="1132861" y="1449489"/>
-            <a:ext cx="10134600" cy="2543175"/>
+            <a:off x="913324" y="5752178"/>
+            <a:ext cx="8191500" cy="752475"/>
+          </a:xfrm>
+          <a:prstGeom prst="rect">
+            <a:avLst/>
+          </a:prstGeom>
+        </p:spPr>
+      </p:pic>
+      <p:pic>
+        <p:nvPicPr>
+          <p:cNvPr id="6" name="图片 5">
+            <a:extLst>
+              <a:ext uri="{FF2B5EF4-FFF2-40B4-BE49-F238E27FC236}">
+                <a16:creationId xmlns:a16="http://schemas.microsoft.com/office/drawing/2014/main" id="{677585BF-A0C7-8E15-EEC8-0B7D6C42BD26}"/>
+              </a:ext>
+            </a:extLst>
+          </p:cNvPr>
+          <p:cNvPicPr>
+            <a:picLocks noChangeAspect="1"/>
+          </p:cNvPicPr>
+          <p:nvPr/>
+        </p:nvPicPr>
+        <p:blipFill>
+          <a:blip r:embed="rId4"/>
+          <a:stretch>
+            <a:fillRect/>
+          </a:stretch>
+        </p:blipFill>
+        <p:spPr>
+          <a:xfrm>
+            <a:off x="844498" y="4184547"/>
+            <a:ext cx="9753600" cy="1695450"/>
+          </a:xfrm>
+          <a:prstGeom prst="rect">
+            <a:avLst/>
+          </a:prstGeom>
+        </p:spPr>
+      </p:pic>
+      <p:grpSp>
+        <p:nvGrpSpPr>
+          <p:cNvPr id="10" name="组合 9">
+            <a:extLst>
+              <a:ext uri="{FF2B5EF4-FFF2-40B4-BE49-F238E27FC236}">
+                <a16:creationId xmlns:a16="http://schemas.microsoft.com/office/drawing/2014/main" id="{0CFF2B6B-2847-B88C-6086-0FC4A3E41B58}"/>
+              </a:ext>
+            </a:extLst>
+          </p:cNvPr>
+          <p:cNvGrpSpPr/>
+          <p:nvPr/>
+        </p:nvGrpSpPr>
+        <p:grpSpPr>
+          <a:xfrm>
+            <a:off x="5692610" y="3234581"/>
+            <a:ext cx="265680" cy="20160"/>
+            <a:chOff x="5692610" y="3234581"/>
+            <a:chExt cx="265680" cy="20160"/>
+          </a:xfrm>
+        </p:grpSpPr>
+        <mc:AlternateContent xmlns:mc="http://schemas.openxmlformats.org/markup-compatibility/2006" xmlns:p14="http://schemas.microsoft.com/office/powerpoint/2010/main">
+          <mc:Choice Requires="p14">
+            <p:contentPart p14:bwMode="auto" r:id="rId5">
+              <p14:nvContentPartPr>
+                <p14:cNvPr id="8" name="墨迹 7">
+                  <a:extLst>
+                    <a:ext uri="{FF2B5EF4-FFF2-40B4-BE49-F238E27FC236}">
+                      <a16:creationId xmlns:a16="http://schemas.microsoft.com/office/drawing/2014/main" id="{2D136197-D80C-59AC-F491-061A93C9C623}"/>
+                    </a:ext>
+                  </a:extLst>
+                </p14:cNvPr>
+                <p14:cNvContentPartPr/>
+                <p14:nvPr/>
+              </p14:nvContentPartPr>
+              <p14:xfrm>
+                <a:off x="5692610" y="3234581"/>
+                <a:ext cx="255240" cy="19800"/>
+              </p14:xfrm>
+            </p:contentPart>
+          </mc:Choice>
+          <mc:Fallback xmlns="">
+            <p:pic>
+              <p:nvPicPr>
+                <p:cNvPr id="8" name="墨迹 7">
+                  <a:extLst>
+                    <a:ext uri="{FF2B5EF4-FFF2-40B4-BE49-F238E27FC236}">
+                      <a16:creationId xmlns:a16="http://schemas.microsoft.com/office/drawing/2014/main" id="{2D136197-D80C-59AC-F491-061A93C9C623}"/>
+                    </a:ext>
+                  </a:extLst>
+                </p:cNvPr>
+                <p:cNvPicPr/>
+                <p:nvPr/>
+              </p:nvPicPr>
+              <p:blipFill>
+                <a:blip r:embed="rId6"/>
+                <a:stretch>
+                  <a:fillRect/>
+                </a:stretch>
+              </p:blipFill>
+              <p:spPr>
+                <a:xfrm>
+                  <a:off x="5683970" y="3225581"/>
+                  <a:ext cx="272880" cy="37440"/>
+                </a:xfrm>
+                <a:prstGeom prst="rect">
+                  <a:avLst/>
+                </a:prstGeom>
+              </p:spPr>
+            </p:pic>
+          </mc:Fallback>
+        </mc:AlternateContent>
+        <mc:AlternateContent xmlns:mc="http://schemas.openxmlformats.org/markup-compatibility/2006" xmlns:p14="http://schemas.microsoft.com/office/powerpoint/2010/main">
+          <mc:Choice Requires="p14">
+            <p:contentPart p14:bwMode="auto" r:id="rId7">
+              <p14:nvContentPartPr>
+                <p14:cNvPr id="9" name="墨迹 8">
+                  <a:extLst>
+                    <a:ext uri="{FF2B5EF4-FFF2-40B4-BE49-F238E27FC236}">
+                      <a16:creationId xmlns:a16="http://schemas.microsoft.com/office/drawing/2014/main" id="{F6483986-550F-9749-E324-1B0C89B9ECC6}"/>
+                    </a:ext>
+                  </a:extLst>
+                </p14:cNvPr>
+                <p14:cNvContentPartPr/>
+                <p14:nvPr/>
+              </p14:nvContentPartPr>
+              <p14:xfrm>
+                <a:off x="5957930" y="3254381"/>
+                <a:ext cx="360" cy="360"/>
+              </p14:xfrm>
+            </p:contentPart>
+          </mc:Choice>
+          <mc:Fallback xmlns="">
+            <p:pic>
+              <p:nvPicPr>
+                <p:cNvPr id="9" name="墨迹 8">
+                  <a:extLst>
+                    <a:ext uri="{FF2B5EF4-FFF2-40B4-BE49-F238E27FC236}">
+                      <a16:creationId xmlns:a16="http://schemas.microsoft.com/office/drawing/2014/main" id="{F6483986-550F-9749-E324-1B0C89B9ECC6}"/>
+                    </a:ext>
+                  </a:extLst>
+                </p:cNvPr>
+                <p:cNvPicPr/>
+                <p:nvPr/>
+              </p:nvPicPr>
+              <p:blipFill>
+                <a:blip r:embed="rId8"/>
+                <a:stretch>
+                  <a:fillRect/>
+                </a:stretch>
+              </p:blipFill>
+              <p:spPr>
+                <a:xfrm>
+                  <a:off x="5949290" y="3245741"/>
+                  <a:ext cx="18000" cy="18000"/>
+                </a:xfrm>
+                <a:prstGeom prst="rect">
+                  <a:avLst/>
+                </a:prstGeom>
+              </p:spPr>
+            </p:pic>
+          </mc:Fallback>
+        </mc:AlternateContent>
+      </p:grpSp>
+      <mc:AlternateContent xmlns:mc="http://schemas.openxmlformats.org/markup-compatibility/2006" xmlns:p14="http://schemas.microsoft.com/office/powerpoint/2010/main">
+        <mc:Choice Requires="p14">
+          <p:contentPart p14:bwMode="auto" r:id="rId9">
+            <p14:nvContentPartPr>
+              <p14:cNvPr id="11" name="墨迹 10">
+                <a:extLst>
+                  <a:ext uri="{FF2B5EF4-FFF2-40B4-BE49-F238E27FC236}">
+                    <a16:creationId xmlns:a16="http://schemas.microsoft.com/office/drawing/2014/main" id="{A99695C1-A545-78CD-53F5-69DBC3093D5A}"/>
+                  </a:ext>
+                </a:extLst>
+              </p14:cNvPr>
+              <p14:cNvContentPartPr/>
+              <p14:nvPr/>
+            </p14:nvContentPartPr>
+            <p14:xfrm>
+              <a:off x="8160770" y="6203501"/>
+              <a:ext cx="500400" cy="49680"/>
+            </p14:xfrm>
+          </p:contentPart>
+        </mc:Choice>
+        <mc:Fallback xmlns="">
+          <p:pic>
+            <p:nvPicPr>
+              <p:cNvPr id="11" name="墨迹 10">
+                <a:extLst>
+                  <a:ext uri="{FF2B5EF4-FFF2-40B4-BE49-F238E27FC236}">
+                    <a16:creationId xmlns:a16="http://schemas.microsoft.com/office/drawing/2014/main" id="{A99695C1-A545-78CD-53F5-69DBC3093D5A}"/>
+                  </a:ext>
+                </a:extLst>
+              </p:cNvPr>
+              <p:cNvPicPr/>
+              <p:nvPr/>
+            </p:nvPicPr>
+            <p:blipFill>
+              <a:blip r:embed="rId10"/>
+              <a:stretch>
+                <a:fillRect/>
+              </a:stretch>
+            </p:blipFill>
+            <p:spPr>
+              <a:xfrm>
+                <a:off x="8151770" y="6194861"/>
+                <a:ext cx="518040" cy="67320"/>
+              </a:xfrm>
+              <a:prstGeom prst="rect">
+                <a:avLst/>
+              </a:prstGeom>
+            </p:spPr>
+          </p:pic>
+        </mc:Fallback>
+      </mc:AlternateContent>
+    </p:spTree>
+    <p:extLst>
+      <p:ext uri="{BB962C8B-B14F-4D97-AF65-F5344CB8AC3E}">
+        <p14:creationId xmlns:p14="http://schemas.microsoft.com/office/powerpoint/2010/main" val="3394543559"/>
+      </p:ext>
+    </p:extLst>
+  </p:cSld>
+  <p:clrMapOvr>
+    <a:masterClrMapping/>
+  </p:clrMapOvr>
+</p:sld>
+</file>
+
+<file path=ppt/slides/slide8.xml><?xml version="1.0" encoding="utf-8"?>
+<p:sld xmlns:a="http://schemas.openxmlformats.org/drawingml/2006/main" xmlns:r="http://schemas.openxmlformats.org/officeDocument/2006/relationships" xmlns:p="http://schemas.openxmlformats.org/presentationml/2006/main">
+  <p:cSld>
+    <p:spTree>
+      <p:nvGrpSpPr>
+        <p:cNvPr id="1" name=""/>
+        <p:cNvGrpSpPr/>
+        <p:nvPr/>
+      </p:nvGrpSpPr>
+      <p:grpSpPr>
+        <a:xfrm>
+          <a:off x="0" y="0"/>
+          <a:ext cx="0" cy="0"/>
+          <a:chOff x="0" y="0"/>
+          <a:chExt cx="0" cy="0"/>
+        </a:xfrm>
+      </p:grpSpPr>
+      <p:pic>
+        <p:nvPicPr>
+          <p:cNvPr id="4" name="图片 3">
+            <a:extLst>
+              <a:ext uri="{FF2B5EF4-FFF2-40B4-BE49-F238E27FC236}">
+                <a16:creationId xmlns:a16="http://schemas.microsoft.com/office/drawing/2014/main" id="{A1AF40C7-CA25-3604-57AE-6274C2E40838}"/>
+              </a:ext>
+            </a:extLst>
+          </p:cNvPr>
+          <p:cNvPicPr>
+            <a:picLocks noChangeAspect="1"/>
+          </p:cNvPicPr>
+          <p:nvPr/>
+        </p:nvPicPr>
+        <p:blipFill>
+          <a:blip r:embed="rId2"/>
+          <a:stretch>
+            <a:fillRect/>
+          </a:stretch>
+        </p:blipFill>
+        <p:spPr>
+          <a:xfrm>
+            <a:off x="0" y="194194"/>
+            <a:ext cx="12192000" cy="6469611"/>
           </a:xfrm>
           <a:prstGeom prst="rect">
             <a:avLst/>
@@ -4415,7 +5293,67 @@
     </p:spTree>
     <p:extLst>
       <p:ext uri="{BB962C8B-B14F-4D97-AF65-F5344CB8AC3E}">
-        <p14:creationId xmlns:p14="http://schemas.microsoft.com/office/powerpoint/2010/main" val="3747810142"/>
+        <p14:creationId xmlns:p14="http://schemas.microsoft.com/office/powerpoint/2010/main" val="1722995336"/>
+      </p:ext>
+    </p:extLst>
+  </p:cSld>
+  <p:clrMapOvr>
+    <a:masterClrMapping/>
+  </p:clrMapOvr>
+</p:sld>
+</file>
+
+<file path=ppt/slides/slide9.xml><?xml version="1.0" encoding="utf-8"?>
+<p:sld xmlns:a="http://schemas.openxmlformats.org/drawingml/2006/main" xmlns:r="http://schemas.openxmlformats.org/officeDocument/2006/relationships" xmlns:p="http://schemas.openxmlformats.org/presentationml/2006/main">
+  <p:cSld>
+    <p:spTree>
+      <p:nvGrpSpPr>
+        <p:cNvPr id="1" name=""/>
+        <p:cNvGrpSpPr/>
+        <p:nvPr/>
+      </p:nvGrpSpPr>
+      <p:grpSpPr>
+        <a:xfrm>
+          <a:off x="0" y="0"/>
+          <a:ext cx="0" cy="0"/>
+          <a:chOff x="0" y="0"/>
+          <a:chExt cx="0" cy="0"/>
+        </a:xfrm>
+      </p:grpSpPr>
+      <p:pic>
+        <p:nvPicPr>
+          <p:cNvPr id="4" name="图片 3">
+            <a:extLst>
+              <a:ext uri="{FF2B5EF4-FFF2-40B4-BE49-F238E27FC236}">
+                <a16:creationId xmlns:a16="http://schemas.microsoft.com/office/drawing/2014/main" id="{E3B0115A-F827-E3A8-B924-FDE52E392307}"/>
+              </a:ext>
+            </a:extLst>
+          </p:cNvPr>
+          <p:cNvPicPr>
+            <a:picLocks noChangeAspect="1"/>
+          </p:cNvPicPr>
+          <p:nvPr/>
+        </p:nvPicPr>
+        <p:blipFill>
+          <a:blip r:embed="rId2"/>
+          <a:stretch>
+            <a:fillRect/>
+          </a:stretch>
+        </p:blipFill>
+        <p:spPr>
+          <a:xfrm>
+            <a:off x="1325357" y="2029439"/>
+            <a:ext cx="8715375" cy="4362450"/>
+          </a:xfrm>
+          <a:prstGeom prst="rect">
+            <a:avLst/>
+          </a:prstGeom>
+        </p:spPr>
+      </p:pic>
+    </p:spTree>
+    <p:extLst>
+      <p:ext uri="{BB962C8B-B14F-4D97-AF65-F5344CB8AC3E}">
+        <p14:creationId xmlns:p14="http://schemas.microsoft.com/office/powerpoint/2010/main" val="1281872385"/>
       </p:ext>
     </p:extLst>
   </p:cSld>

--- a/case_drifters_german_bight/progress/lsc_221102.pptx
+++ b/case_drifters_german_bight/progress/lsc_221102.pptx
@@ -19,6 +19,10 @@
     <p:sldId id="267" r:id="rId13"/>
     <p:sldId id="268" r:id="rId14"/>
     <p:sldId id="269" r:id="rId15"/>
+    <p:sldId id="272" r:id="rId16"/>
+    <p:sldId id="271" r:id="rId17"/>
+    <p:sldId id="270" r:id="rId18"/>
+    <p:sldId id="273" r:id="rId19"/>
   </p:sldIdLst>
   <p:sldSz cx="12192000" cy="6858000"/>
   <p:notesSz cx="6858000" cy="9144000"/>
@@ -153,6 +157,144 @@
 </inkml:ink>
 </file>
 
+<file path=ppt/ink/ink10.xml><?xml version="1.0" encoding="utf-8"?>
+<inkml:ink xmlns:inkml="http://www.w3.org/2003/InkML">
+  <inkml:definitions>
+    <inkml:context xml:id="ctx0">
+      <inkml:inkSource xml:id="inkSrc0">
+        <inkml:traceFormat>
+          <inkml:channel name="X" type="integer" min="-2.14748E9" max="2.14748E9" units="cm"/>
+          <inkml:channel name="Y" type="integer" min="-2.14748E9" max="2.14748E9" units="cm"/>
+          <inkml:channel name="F" type="integer" max="32767" units="dev"/>
+        </inkml:traceFormat>
+        <inkml:channelProperties>
+          <inkml:channelProperty channel="X" name="resolution" value="1000" units="1/cm"/>
+          <inkml:channelProperty channel="Y" name="resolution" value="1000" units="1/cm"/>
+          <inkml:channelProperty channel="F" name="resolution" value="0" units="1/dev"/>
+        </inkml:channelProperties>
+      </inkml:inkSource>
+      <inkml:timestamp xml:id="ts0" timeString="2022-12-01T00:29:35.084"/>
+    </inkml:context>
+    <inkml:brush xml:id="br0">
+      <inkml:brushProperty name="width" value="0.05" units="cm"/>
+      <inkml:brushProperty name="height" value="0.05" units="cm"/>
+    </inkml:brush>
+  </inkml:definitions>
+  <inkml:trace contextRef="#ctx0" brushRef="#br0">216 1 24575,'2'0'0,"-1"0"0,0 1 0,1-1 0,-1 0 0,0 1 0,1 0 0,-1-1 0,0 1 0,0 0 0,0 0 0,1 0 0,-1-1 0,0 1 0,0 0 0,0 0 0,-1 1 0,1-1 0,0 0 0,1 2 0,14 29 0,-14-27 0,22 57 0,-17-41 0,0-1 0,2 0 0,19 33 0,-24-48 0,0 1 0,0-1 0,0 0 0,0 0 0,1-1 0,0 0 0,0 1 0,0-2 0,1 1 0,-1-1 0,1 1 0,0-1 0,0-1 0,0 1 0,0-1 0,13 2 0,-11-2 0,0-1 0,1-1 0,-1 0 0,0 0 0,1 0 0,-1-1 0,0-1 0,0 1 0,0-1 0,0 0 0,0-1 0,0 0 0,9-5 0,-1-1 0,0-1 0,-1-1 0,0 0 0,25-25 0,9-3 0,-47 37 0,1 0 0,0 0 0,1 0 0,-1 1 0,0-1 0,0 1 0,1 0 0,-1 0 0,1 0 0,-1 0 0,1 1 0,-1-1 0,1 1 0,5 0 0,-7 1 0,0-1 0,-1 1 0,1 0 0,-1 0 0,1 0 0,-1 0 0,1 1 0,-1-1 0,1 0 0,-1 1 0,0-1 0,0 1 0,0-1 0,0 1 0,0-1 0,0 1 0,0 0 0,0-1 0,-1 1 0,1 0 0,-1 0 0,1 0 0,-1-1 0,1 5 0,2 50 0,-3-45 0,0 3 0,-1 1 0,-1 0 0,0-1 0,-1 0 0,-1 1 0,0-1 0,0 0 0,-2-1 0,-12 25 0,-4-2 0,-2-1 0,-28 33 0,-22 30 0,47-50 0,23-38 0,-1-1 0,0 1 0,-1-1 0,0-1 0,-9 11 0,12-16 0,0 0 0,0-1 0,-1 1 0,1-1 0,-1 0 0,0 0 0,1 0 0,-1 0 0,0-1 0,0 0 0,0 0 0,0 0 0,0 0 0,-1 0 0,1-1 0,0 0 0,-6 0 0,-13-2 0,0-2 0,1 0 0,-1-2 0,1 0 0,-28-13 0,-8-1 0,1 6-68,35 10 155,-37-14 0,53 16-210,1 0 1,-1-1-1,1 1 1,0-1-1,0-1 1,0 1-1,0-1 0,1 0 1,-1 0-1,1 0 1,-5-7-1,-3-7-6703</inkml:trace>
+</inkml:ink>
+</file>
+
+<file path=ppt/ink/ink11.xml><?xml version="1.0" encoding="utf-8"?>
+<inkml:ink xmlns:inkml="http://www.w3.org/2003/InkML">
+  <inkml:definitions>
+    <inkml:context xml:id="ctx0">
+      <inkml:inkSource xml:id="inkSrc0">
+        <inkml:traceFormat>
+          <inkml:channel name="X" type="integer" min="-2.14748E9" max="2.14748E9" units="cm"/>
+          <inkml:channel name="Y" type="integer" min="-2.14748E9" max="2.14748E9" units="cm"/>
+          <inkml:channel name="F" type="integer" max="32767" units="dev"/>
+        </inkml:traceFormat>
+        <inkml:channelProperties>
+          <inkml:channelProperty channel="X" name="resolution" value="1000" units="1/cm"/>
+          <inkml:channelProperty channel="Y" name="resolution" value="1000" units="1/cm"/>
+          <inkml:channelProperty channel="F" name="resolution" value="0" units="1/dev"/>
+        </inkml:channelProperties>
+      </inkml:inkSource>
+      <inkml:timestamp xml:id="ts0" timeString="2022-12-01T00:29:41.067"/>
+    </inkml:context>
+    <inkml:brush xml:id="br0">
+      <inkml:brushProperty name="width" value="0.05" units="cm"/>
+      <inkml:brushProperty name="height" value="0.05" units="cm"/>
+    </inkml:brush>
+  </inkml:definitions>
+  <inkml:trace contextRef="#ctx0" brushRef="#br0">1 1 24575,'0'0'-8191</inkml:trace>
+</inkml:ink>
+</file>
+
+<file path=ppt/ink/ink12.xml><?xml version="1.0" encoding="utf-8"?>
+<inkml:ink xmlns:inkml="http://www.w3.org/2003/InkML">
+  <inkml:definitions>
+    <inkml:context xml:id="ctx0">
+      <inkml:inkSource xml:id="inkSrc0">
+        <inkml:traceFormat>
+          <inkml:channel name="X" type="integer" min="-2.14748E9" max="2.14748E9" units="cm"/>
+          <inkml:channel name="Y" type="integer" min="-2.14748E9" max="2.14748E9" units="cm"/>
+          <inkml:channel name="F" type="integer" max="32767" units="dev"/>
+        </inkml:traceFormat>
+        <inkml:channelProperties>
+          <inkml:channelProperty channel="X" name="resolution" value="1000" units="1/cm"/>
+          <inkml:channelProperty channel="Y" name="resolution" value="1000" units="1/cm"/>
+          <inkml:channelProperty channel="F" name="resolution" value="0" units="1/dev"/>
+        </inkml:channelProperties>
+      </inkml:inkSource>
+      <inkml:timestamp xml:id="ts0" timeString="2022-12-01T00:27:21.585"/>
+    </inkml:context>
+    <inkml:brush xml:id="br0">
+      <inkml:brushProperty name="width" value="0.05" units="cm"/>
+      <inkml:brushProperty name="height" value="0.05" units="cm"/>
+      <inkml:brushProperty name="color" value="#E71224"/>
+    </inkml:brush>
+  </inkml:definitions>
+  <inkml:trace contextRef="#ctx0" brushRef="#br0">1094 138 24575,'-3'-5'0,"1"0"0,-1 0 0,0 1 0,-1-1 0,1 1 0,-1-1 0,0 1 0,0 0 0,0 1 0,-5-4 0,-5-4 0,-1 0 0,0 1 0,0 1 0,-1 0 0,0 1 0,-18-5 0,25 9 0,-1 1 0,1 1 0,0 0 0,-1 0 0,1 1 0,-1 0 0,1 1 0,-1 0 0,0 0 0,1 1 0,-1 1 0,1-1 0,-10 4 0,1 2 0,2 0 0,-1 1 0,1 1 0,0 1 0,1 0 0,0 1 0,1 0 0,0 1 0,-19 22 0,-6 12 0,-52 82 0,-3 5 0,70-100 0,1 2 0,1 1 0,3 0 0,0 2 0,-21 66 0,33-79 0,1 0 0,1 0 0,2 1 0,0-1 0,2 1 0,2 37 0,-4 64 0,1-112 0,0-1 0,-1 1 0,-1-1 0,0 0 0,-1 0 0,-12 23 0,-48 67 0,43-72 0,1 1 0,-18 39 0,34-60 0,0 0 0,1 0 0,1 0 0,-1 1 0,2-1 0,0 1 0,0 0 0,2-1 0,-1 1 0,3 19 0,4 5 0,2 0 0,20 53 0,-15-51 0,14 74 0,-25-101 0,1 0 0,1-1 0,-1 1 0,2 0 0,0-1 0,0 0 0,8 11 0,53 69 0,-13-19 0,60 86 0,-108-151 0,1 1 0,0-1 0,0-1 0,0 1 0,1-1 0,-1-1 0,2 1 0,-1-1 0,10 5 0,29 23 0,-40-27 0,1 1 0,-1 0 0,9 13 0,-13-16 0,1 0 0,-1 0 0,1 0 0,0 0 0,1-1 0,-1 1 0,1-1 0,-1 0 0,1 0 0,0 0 0,0 0 0,0-1 0,1 1 0,-1-1 0,1 0 0,7 2 0,12-1 0,-1-1 0,0-1 0,0-1 0,45-5 0,-59 3 0,0 0 0,0-1 0,1 0 0,-1 0 0,-1-1 0,1 0 0,-1-1 0,12-7 0,62-51 0,-66 49 0,-5 5 0,-2-1 0,1 0 0,-1 0 0,-1-1 0,14-22 0,27-64 0,-34 62 0,24-38 0,-11 27 0,-2-2 0,23-60 0,-33 60 0,17-80 0,-7 20 0,-21 93 0,0-1 0,-1 0 0,-1 0 0,-1 0 0,0 0 0,-1-1 0,-1 1 0,-1-1 0,-2-19 0,-38-310 0,38 318 0,-2 0 0,-2 1 0,-16-47 0,-1-4 0,-19-57 0,-3-12 0,14 36 0,26 96 0,0 0 0,-1 0 0,-1 1 0,0-1 0,-11-13 0,14 23-72,1 1 1,-1 0-1,0 0 0,0 0 0,-1 1 0,1-1 0,0 1 0,-1 1 1,0-1-1,0 1 0,0 0 0,0 0 0,0 1 0,0 0 0,0 0 1,-1 0-1,1 1 0,-12 0 0,-11 0-6754</inkml:trace>
+</inkml:ink>
+</file>
+
+<file path=ppt/ink/ink13.xml><?xml version="1.0" encoding="utf-8"?>
+<inkml:ink xmlns:inkml="http://www.w3.org/2003/InkML">
+  <inkml:definitions>
+    <inkml:context xml:id="ctx0">
+      <inkml:inkSource xml:id="inkSrc0">
+        <inkml:traceFormat>
+          <inkml:channel name="X" type="integer" min="-2.14748E9" max="2.14748E9" units="cm"/>
+          <inkml:channel name="Y" type="integer" min="-2.14748E9" max="2.14748E9" units="cm"/>
+          <inkml:channel name="F" type="integer" max="32767" units="dev"/>
+        </inkml:traceFormat>
+        <inkml:channelProperties>
+          <inkml:channelProperty channel="X" name="resolution" value="1000" units="1/cm"/>
+          <inkml:channelProperty channel="Y" name="resolution" value="1000" units="1/cm"/>
+          <inkml:channelProperty channel="F" name="resolution" value="0" units="1/dev"/>
+        </inkml:channelProperties>
+      </inkml:inkSource>
+      <inkml:timestamp xml:id="ts0" timeString="2022-12-01T00:27:26.552"/>
+    </inkml:context>
+    <inkml:brush xml:id="br0">
+      <inkml:brushProperty name="width" value="0.05" units="cm"/>
+      <inkml:brushProperty name="height" value="0.05" units="cm"/>
+      <inkml:brushProperty name="color" value="#E71224"/>
+    </inkml:brush>
+  </inkml:definitions>
+  <inkml:trace contextRef="#ctx0" brushRef="#br0">1364 304 24575,'-4'-1'0,"0"-1"0,0 0 0,-1 0 0,2 0 0,-1-1 0,0 1 0,0-1 0,1 0 0,0 0 0,-1 0 0,1 0 0,-4-7 0,-5-3 0,-17-15 0,-1 2 0,-2 1 0,0 2 0,-1 1 0,-2 1 0,0 2 0,-56-22 0,64 31 0,0 1 0,-1 1 0,0 2 0,0 1 0,-1 1 0,0 1 0,1 2 0,-33 2 0,51 0 0,1 1 0,-1 0 0,1 1 0,0 0 0,0 0 0,0 1 0,0 0 0,-15 11 0,-5 5 0,-30 26 0,19-12 0,-85 53 0,73-53 0,-82 71 0,114-83 0,2 0 0,0 1 0,1 1 0,1 0 0,2 2 0,-17 37 0,26-52 0,1 2 0,-1-1 0,2 0 0,0 1 0,0 0 0,1-1 0,0 23 0,3-2 0,10 60 0,-5-51 0,2-1 0,14 42 0,-16-67 0,0 1 0,2-1 0,0 0 0,0-1 0,1 0 0,1-1 0,20 23 0,-7-14 0,1-2 0,0-1 0,53 33 0,-31-22 0,33 33 0,-30-22 0,-12-11 0,-21-17 0,1 0 0,34 21 0,-43-31 0,-1 0 0,1-1 0,0 0 0,0 0 0,0-1 0,0 0 0,1-1 0,-1 1 0,1-2 0,-1 1 0,10-1 0,86-11-475,146-33-1,-53 7 84,342-7 392,-507 42 65,0 0 1,0-3-1,0 0 0,-1-2 0,31-11 1,-48 13-14,0 0 0,-1-1 0,0-1 0,0 0 0,0-1 0,-1 0 0,0-1 0,-1 0 0,0-1 0,0 0-1,-1-1 1,-1 0 0,10-15 0,-15 18-25,0 0 0,0-1-1,-1 0 1,-1 1 0,1-1-1,-2 0 1,1 0 0,-1 0-1,0-17 1,3-23-1435,1 26-5418</inkml:trace>
+</inkml:ink>
+</file>
+
+<file path=ppt/ink/ink14.xml><?xml version="1.0" encoding="utf-8"?>
+<inkml:ink xmlns:inkml="http://www.w3.org/2003/InkML">
+  <inkml:definitions>
+    <inkml:context xml:id="ctx0">
+      <inkml:inkSource xml:id="inkSrc0">
+        <inkml:traceFormat>
+          <inkml:channel name="X" type="integer" min="-2.14748E9" max="2.14748E9" units="cm"/>
+          <inkml:channel name="Y" type="integer" min="-2.14748E9" max="2.14748E9" units="cm"/>
+          <inkml:channel name="F" type="integer" max="32767" units="dev"/>
+        </inkml:traceFormat>
+        <inkml:channelProperties>
+          <inkml:channelProperty channel="X" name="resolution" value="1000" units="1/cm"/>
+          <inkml:channelProperty channel="Y" name="resolution" value="1000" units="1/cm"/>
+          <inkml:channelProperty channel="F" name="resolution" value="0" units="1/dev"/>
+        </inkml:channelProperties>
+      </inkml:inkSource>
+      <inkml:timestamp xml:id="ts0" timeString="2022-12-01T00:32:31.058"/>
+    </inkml:context>
+    <inkml:brush xml:id="br0">
+      <inkml:brushProperty name="width" value="0.05" units="cm"/>
+      <inkml:brushProperty name="height" value="0.05" units="cm"/>
+      <inkml:brushProperty name="color" value="#E71224"/>
+    </inkml:brush>
+  </inkml:definitions>
+  <inkml:trace contextRef="#ctx0" brushRef="#br0">810 143 24575,'-2'0'0,"-1"0"0,0 1 0,1 0 0,-1-1 0,0 1 0,1 0 0,-1 0 0,1 1 0,0-1 0,-1 0 0,1 1 0,-4 3 0,-25 25 0,24-23 0,-25 23 0,-41 30 0,42-37 0,2 1 0,-28 31 0,28-19 0,2 2 0,1 0 0,-31 64 0,-35 54 0,60-123 0,27-29 0,0 1 0,0 0 0,1-1 0,0 2 0,0-1 0,-6 10 0,0 2 0,-22 29 0,9-13 0,22-32 0,0 1 0,0 0 0,0 0 0,0 0 0,1 0 0,-1 0 0,1 0 0,-1 1 0,1-1 0,0 0 0,0 0 0,0 0 0,0 0 0,0 0 0,0 1 0,1-1 0,-1 0 0,1 0 0,-1 0 0,1 0 0,0 0 0,0 0 0,0 0 0,0 0 0,0-1 0,0 1 0,1 0 0,-1 0 0,1-1 0,2 3 0,6 6 0,1 0 0,1 0 0,18 11 0,-9-6 0,-21-15 0,1 1 0,-1-1 0,1 0 0,-1 1 0,1-1 0,-1 1 0,1-1 0,-1 0 0,1 1 0,-1-1 0,0 1 0,1-1 0,-1 1 0,0-1 0,1 1 0,-1 0 0,0-1 0,0 1 0,0-1 0,1 1 0,-1-1 0,0 1 0,0 0 0,0-1 0,0 1 0,0 0 0,0-1 0,0 1 0,0-1 0,0 1 0,-1 0 0,1-1 0,0 1 0,0-1 0,0 1 0,-1-1 0,1 1 0,-1 0 0,-22 18 0,5-5 0,16-11 0,0 0 0,0 0 0,1 0 0,-1 0 0,1 0 0,0 0 0,0 1 0,0-1 0,0 0 0,0 1 0,1-1 0,-1 1 0,1-1 0,0 4 0,8 54 0,-2-20 0,-4-9 0,-1 1 0,-5 55 0,2-76 0,0 0 0,-1 0 0,0 0 0,-1 0 0,0-1 0,-1 1 0,0-1 0,-1 0 0,0 0 0,-10 13 0,9-15 0,1 0 0,0 1 0,0 0 0,1 0 0,1 0 0,-1 1 0,2 0 0,-5 20 0,5-21 0,-1 1 0,-1-1 0,0 1 0,0-1 0,-1-1 0,0 1 0,-9 10 0,6-7 0,0-1 0,-11 23 0,18-30 0,0 0 0,0 0 0,1 0 0,-1 1 0,1-1 0,0 0 0,1 0 0,-1 1 0,1-1 0,0 0 0,2 9 0,6 51 0,1 81 0,-7-112 0,3-1 0,0 1 0,3-1 0,0 0 0,17 41 0,-4-11 0,-5-20 0,-11-34 0,-1 0 0,-1 1 0,0 0 0,0-1 0,-1 1 0,0 0 0,1 15 0,-3-25 0,0 1 0,0-1 0,0 1 0,0-1 0,0 1 0,0-1 0,0 0 0,-1 1 0,1-1 0,0 1 0,0-1 0,0 1 0,-1-1 0,1 0 0,0 1 0,0-1 0,-1 0 0,1 1 0,0-1 0,-1 0 0,1 1 0,0-1 0,-1 0 0,1 0 0,0 1 0,-1-1 0,1 0 0,-1 0 0,1 0 0,0 0 0,-1 1 0,1-1 0,-1 0 0,1 0 0,-1 0 0,1 0 0,-1 0 0,1 0 0,0 0 0,-1 0 0,0-1 0,0 1 0,1 0 0,-1 0 0,0 0 0,1 0 0,-1 0 0,0 0 0,1 1 0,-1-1 0,0 0 0,1 0 0,-1 0 0,1 0 0,-1 1 0,0-1 0,1 0 0,-1 1 0,1-1 0,-1 1 0,1-1 0,-1 0 0,1 1 0,-1-1 0,1 1 0,-1-1 0,1 1 0,0 0 0,-1-1 0,1 1 0,0-1 0,-1 1 0,1 0 0,-1 3 0,0 1 0,1-1 0,-1 0 0,1 1 0,0-1 0,0 0 0,1 1 0,-1-1 0,1 0 0,0 0 0,2 8 0,23 49 0,-14-33 0,7 26 0,-16-42 0,0-1 0,1 0 0,1 1 0,-1-1 0,2-1 0,-1 1 0,2-1 0,-1 0 0,1-1 0,1 1 0,11 10 0,6 1 0,2-1 0,0-1 0,1-2 0,0 0 0,2-3 0,-1 0 0,2-1 0,48 12 0,-68-23 0,19 6 0,0-1 0,60 5 0,-64-10 0,0 1 0,-1 1 0,43 13 0,74 32 0,-86-27 0,282 73 0,-115-27 0,-79-21 0,-120-41 0,1-1 0,0-1 0,0-1 0,44 0 0,101-15 0,-79 4 0,183-2 0,-249 7 0,-1-1 0,44-14 0,-44 10 0,0 2 0,44-6 0,-55 12 0,-1-1 0,1-1 0,-1 0 0,1-1 0,-1 0 0,0-1 0,0 0 0,0-1 0,-1-1 0,1 0 0,-1 0 0,-1-1 0,14-11 0,3-3 0,1-3 0,1 2 0,1 0 0,65-33 0,-77 46 0,-1 0 0,0-2 0,0 0 0,-1-1 0,0 0 0,26-29 0,72-99 0,-95 114 0,9-10 0,-4 2 0,51-53 0,-69 80 0,0-1 0,0-1 0,-1 1 0,0-1 0,0 0 0,-1-1 0,4-11 0,15-30 0,-11 30 0,-1-1 0,0-1 0,-2 0 0,-1 0 0,-1-1 0,8-43 0,-13 54 0,-1 1 0,0 0 0,-1-1 0,0 1 0,-1 0 0,-1-1 0,0 1 0,0 0 0,-1 0 0,-1 0 0,0 0 0,0 1 0,-1-1 0,-1 1 0,-9-15 0,-74-106 0,72 103 0,-27-57 0,6 7 0,4 13 0,15 29 0,0 2 0,-34-45 0,30 45 0,1 0 0,2-2 0,-31-76 0,-5-13 0,-51-65 0,103 182 0,1 0 0,0-1 0,0 1 0,0 0 0,1-1 0,1 0 0,-1-12 0,1 11 0,-1-1 0,1 1 0,-2 0 0,-6-21 0,-2 8 0,-9-22 0,1-1 0,-23-92 0,38 116 0,-1 1 0,-1 0 0,-1 1 0,-1-1 0,-1 1 0,-15-26 0,20 43 0,0 0 0,1 0 0,-2 1 0,1 0 0,0-1 0,-1 1 0,1 1 0,-1-1 0,0 1 0,0-1 0,0 1 0,0 1 0,0-1 0,0 1 0,-7-1 0,5 0 0,-1 1 0,1-2 0,0 1 0,0-1 0,0 0 0,0 0 0,-11-9 0,-85-87 0,36 32 0,14 9 0,46 47 0,-1 1 0,-1 0 0,0 0 0,-1 1 0,0 0 0,0 1 0,0 0 0,-18-10 0,5 8 0,0 0 0,0 2 0,0 1 0,-1 0 0,0 2 0,-1 1 0,1 1 0,-34 0 0,24 4 0,1 1 0,0 1 0,0 2 0,0 2 0,-53 17 0,86-24 0,-26 9 0,1-1 0,-50 8 0,67-15 0,0-1 0,0 1 0,0-1 0,0-1 0,0 0 0,0 0 0,0 0 0,1-1 0,-1 0 0,0 0 0,1-1 0,-1 0 0,1-1 0,-8-4 0,-3-4 0,-2 0 0,1 1 0,-1 1 0,-1 1 0,0 1 0,-27-6 0,40 12 0,1 1 0,-1-1 0,0 2 0,0-1 0,1 1 0,-1 0 0,0 1 0,1 0 0,-1 0 0,1 1 0,-1 0 0,1 0 0,-1 1 0,1-1 0,0 2 0,0-1 0,1 1 0,-1 0 0,1 0 0,0 1 0,-11 9 0,-23 28-1365,28-31-5461</inkml:trace>
+</inkml:ink>
+</file>
+
 <file path=ppt/ink/ink2.xml><?xml version="1.0" encoding="utf-8"?>
 <inkml:ink xmlns:inkml="http://www.w3.org/2003/InkML">
   <inkml:definitions>
@@ -209,6 +351,168 @@
 </inkml:ink>
 </file>
 
+<file path=ppt/ink/ink4.xml><?xml version="1.0" encoding="utf-8"?>
+<inkml:ink xmlns:inkml="http://www.w3.org/2003/InkML">
+  <inkml:definitions>
+    <inkml:context xml:id="ctx0">
+      <inkml:inkSource xml:id="inkSrc0">
+        <inkml:traceFormat>
+          <inkml:channel name="X" type="integer" min="-2.14748E9" max="2.14748E9" units="cm"/>
+          <inkml:channel name="Y" type="integer" min="-2.14748E9" max="2.14748E9" units="cm"/>
+          <inkml:channel name="F" type="integer" max="32767" units="dev"/>
+        </inkml:traceFormat>
+        <inkml:channelProperties>
+          <inkml:channelProperty channel="X" name="resolution" value="1000" units="1/cm"/>
+          <inkml:channelProperty channel="Y" name="resolution" value="1000" units="1/cm"/>
+          <inkml:channelProperty channel="F" name="resolution" value="0" units="1/dev"/>
+        </inkml:channelProperties>
+      </inkml:inkSource>
+      <inkml:timestamp xml:id="ts0" timeString="2022-12-01T00:28:32.633"/>
+    </inkml:context>
+    <inkml:brush xml:id="br0">
+      <inkml:brushProperty name="width" value="0.35" units="cm"/>
+      <inkml:brushProperty name="height" value="0.35" units="cm"/>
+    </inkml:brush>
+  </inkml:definitions>
+  <inkml:trace contextRef="#ctx0" brushRef="#br0">1 78 24575,'9'-1'0,"0"-1"0,0 1 0,0-2 0,0 1 0,0-1 0,0 0 0,16-9 0,-15 6 0,0 2 0,1 0 0,-1 0 0,1 0 0,15-1 0,49 0 0,102 6 0,-59 1 0,47 0 0,193-5 0,-261-7 0,-71 6 0,0 0 0,0 2 0,0 2 0,0 0 0,29 4 0,3 4 0,0-2 0,71-2 0,-69 2 0,-49-4 0,0 0 0,-1-1 0,1-1 0,0 1 0,0-2 0,12-1 0,13-3 237,-19 2-771,1 0 0,23-7 0</inkml:trace>
+</inkml:ink>
+</file>
+
+<file path=ppt/ink/ink5.xml><?xml version="1.0" encoding="utf-8"?>
+<inkml:ink xmlns:inkml="http://www.w3.org/2003/InkML">
+  <inkml:definitions>
+    <inkml:context xml:id="ctx0">
+      <inkml:inkSource xml:id="inkSrc0">
+        <inkml:traceFormat>
+          <inkml:channel name="X" type="integer" min="-2.14748E9" max="2.14748E9" units="cm"/>
+          <inkml:channel name="Y" type="integer" min="-2.14748E9" max="2.14748E9" units="cm"/>
+          <inkml:channel name="F" type="integer" max="32767" units="dev"/>
+        </inkml:traceFormat>
+        <inkml:channelProperties>
+          <inkml:channelProperty channel="X" name="resolution" value="1000" units="1/cm"/>
+          <inkml:channelProperty channel="Y" name="resolution" value="1000" units="1/cm"/>
+          <inkml:channelProperty channel="F" name="resolution" value="0" units="1/dev"/>
+        </inkml:channelProperties>
+      </inkml:inkSource>
+      <inkml:timestamp xml:id="ts0" timeString="2022-12-01T00:28:45.254"/>
+    </inkml:context>
+    <inkml:brush xml:id="br0">
+      <inkml:brushProperty name="width" value="0.35" units="cm"/>
+      <inkml:brushProperty name="height" value="0.35" units="cm"/>
+    </inkml:brush>
+  </inkml:definitions>
+  <inkml:trace contextRef="#ctx0" brushRef="#br0">10 332 24575,'83'-21'0,"33"1"0,0-5 0,152-54 0,-222 65 0,9-2 0,0 2 0,0 3 0,1 2 0,0 2 0,98 2 0,-108 7 0,-24 0 0,1-1 0,0-1 0,-1-1 0,1-1 0,32-8 0,-50 9 0,0-1 0,1 1 0,-1 0 0,0 1 0,1-1 0,-1 1 0,0 0 0,1 0 0,-1 1 0,7 1 0,-4 0 0,1 1 0,-1 1 0,0-1 0,0 2 0,10 6 0,-3-2 0,0 0 0,1-2 0,0 0 0,0 0 0,0-2 0,1 0 0,-1-1 0,1 0 0,0-2 0,0 0 0,1-1 0,-1 0 0,0-1 0,22-4 0,-1 1 0,1 1 0,-1 2 0,41 5 0,-62-3 0,-1 1 0,1 0 0,-1 1 0,0 1 0,0 0 0,-1 2 0,0 0 0,0 0 0,23 16 0,-35-21 0,-1 0 0,1 0 0,-1 1 0,1-1 0,-1 1 0,0-1 0,0 1 0,0 0 0,0 0 0,-1 0 0,1 0 0,1 5 0,-3-7 0,0 0 0,1 0 0,-1 0 0,0 1 0,0-1 0,0 0 0,0 0 0,0 0 0,-1 1 0,1-1 0,0 0 0,0 0 0,-1 0 0,1 0 0,-1 1 0,1-1 0,-1 0 0,1 0 0,-1 0 0,0 0 0,0 0 0,1 0 0,-1-1 0,0 1 0,0 0 0,0 0 0,0 0 0,0-1 0,0 1 0,0 0 0,0-1 0,0 1 0,0-1 0,-1 0 0,1 1 0,0-1 0,-2 1 0,-36 9 0,0-2 0,-71 6 0,-20 4 0,23 7 0,-117 46 0,210-66 0,-1 0 0,1-1 0,-1 0 0,0-1 0,0-1 0,0-1 0,0 0 0,0-1 0,0 0 0,0-1 0,0-1 0,-23-5 0,13 1 0,0 1 0,0 1 0,-1 2 0,1 0 0,-32 3 0,-42-3 0,48-8 0,48 10 0,1-1 0,-1 1 0,1-1 0,-1 0 0,1 0 0,0 0 0,-1 0 0,1 0 0,0-1 0,0 1 0,0-1 0,0 1 0,0-1 0,0 0 0,0 0 0,-2-3 0,4 3 0,0 1 0,0 0 0,0-1 0,1 1 0,-1 0 0,0-1 0,1 1 0,-1 0 0,1 0 0,-1-1 0,1 1 0,0 0 0,-1 0 0,1 0 0,0 0 0,0 0 0,0 0 0,0 0 0,0 0 0,0 0 0,1-1 0,24-18 0,-11 12 0,0 0 0,1 2 0,-1-1 0,1 2 0,0 0 0,30-4 0,106-6 0,-77 10 0,62-6 0,155 8 0,-234 8 0,0 4 0,74 20 0,-14-3 0,192 48 0,70 12 0,-38-12 0,-106-20 0,-159-42 0,87 3 0,-103-12 0,0 3 0,0 2 0,60 17 0,-75-9 0,-38-12 0,1-1 0,-1 0 0,1 0 0,0 0 0,-1-1 0,1-1 0,0 0 0,0 0 0,0-1 0,0 0 0,15-1 0,5-5 0,0 1 0,0 2 0,1 1 0,-1 1 0,35 4 0,-8 3 0,-4 0 0,0-1 0,98-6 0,-138 0 0,-1-1 0,1-1 0,-1 0 0,0-1 0,0 0 0,0-1 0,-1 0 0,15-9 0,3-6 0,41-34 0,-61 47 0,0 2 0,1-1 0,0 1 0,0 1 0,0-1 0,0 1 0,1 1 0,0 0 0,-1 0 0,1 1 0,17-1 0,-67-14 0,-40-7 0,-1 3 0,0 4 0,-2 4 0,0 3 0,-132 1 0,-280 29 0,233-9 0,224-13 0,-1-1 0,1-2 0,0-1 0,-65-21 0,-40-29 0,104 38 0,0 1 0,-1 3 0,-1 1 0,0 2 0,-58-7 0,-215 14 0,186 6 0,122-2 0,3 0 0,0-1 0,0 1 0,0 0 0,0 0 0,0 1 0,0-1 0,0 1 0,0-1 0,0 1 0,0 0 0,0 0 0,0 0 0,1 0 0,-1 1 0,-3 1 0,6-2 0,0-1 0,0 0 0,0 0 0,0 1 0,0-1 0,0 0 0,0 0 0,0 1 0,0-1 0,0 0 0,0 0 0,0 1 0,0-1 0,0 0 0,0 0 0,0 1 0,0-1 0,0 0 0,1 0 0,-1 0 0,0 1 0,0-1 0,0 0 0,0 0 0,0 0 0,1 1 0,-1-1 0,0 0 0,0 0 0,0 0 0,1 0 0,-1 0 0,0 1 0,0-1 0,1 0 0,-1 0 0,0 0 0,0 0 0,0 0 0,1 0 0,-1 0 0,0 0 0,0 0 0,1 0 0,-1 0 0,1 0 0,14 3 0,29 3 0,-1-3 0,1-1 0,0-3 0,57-7 0,-82 5 0,0-2 0,26-10 0,-29 9 0,0 1 0,0 0 0,1 1 0,23-2 0,274 4 0,-27 1 0,-153-11 0,17-2 0,-72 14 0,-23 0 0,58-7 0,-97 5 0,0-1 0,-1-1 0,1 0 0,-1-1 0,1-1 0,-1-1 0,26-14 0,-20 5 0,29-25 0,-13 10 0,89-73 0,-126 104 0,0-1 0,0 1 0,0-1 0,0 1 0,-1-1 0,1 0 0,0 1 0,-1-1 0,1 0 0,0 0 0,-1 0 0,1 0 0,-1 1 0,0-1 0,1 0 0,-1 0 0,1 0 0,-1 0 0,0 0 0,0-2 0,0 3 0,0-1 0,-1 0 0,1 1 0,0-1 0,-1 1 0,1-1 0,-1 1 0,1 0 0,-1-1 0,1 1 0,-1-1 0,0 1 0,1 0 0,-1-1 0,1 1 0,-1 0 0,0 0 0,1 0 0,-1-1 0,0 1 0,1 0 0,-2 0 0,-50-1 0,43 2 0,-1-1 0,-1 0 0,1 1 0,0 1 0,0-1 0,0 2 0,0-1 0,0 1 0,1 1 0,-11 5 0,19-9 0,0 1 0,0-1 0,0 0 0,1 1 0,-1-1 0,0 1 0,0-1 0,1 1 0,-1 0 0,0-1 0,1 1 0,-1 0 0,1-1 0,-1 1 0,1 0 0,-1 0 0,1-1 0,-1 1 0,1 0 0,0 0 0,-1 0 0,1 0 0,0 0 0,0 0 0,0-1 0,0 1 0,0 2 0,0-1 0,1-1 0,0 0 0,-1 1 0,1-1 0,0 1 0,0-1 0,0 0 0,0 0 0,0 0 0,1 1 0,-1-1 0,0 0 0,0 0 0,3 1 0,6 4 0,1-1 0,0 0 0,13 5 0,-22-10 0,54 18 0,0-2 0,2-4 0,-1-1 0,74 3 0,236-8 0,-272-7 0,-48 0 0,1-2 0,-1-2 0,-1-3 0,79-22 0,-91 21 0,1 1 0,0 2 0,1 2 0,-1 0 0,1 3 0,-1 1 0,1 1 0,-1 3 0,1 0 0,-1 2 0,0 2 0,44 16 0,-53-16 0,0-1 0,0-2 0,51 5 0,79-8 0,-93-3 0,-22 1 0,-1-1 0,1-2 0,-1-2 0,71-18 0,-51 5 0,100-15 0,-149 30 0,1 0 0,-2 0 0,1-1 0,19-9 0,-19 7 0,1 1 0,0 1 0,16-5 0,-21 8 0,-10 1 0,-25 6 0,-43 13 0,19 6 0,33-15 0,0-1 0,-1-1 0,-34 10 0,-14-4-61,0-4 1,-73 3-1,-140-8-305,216-5 282,-263-17-65,51 1 153,204 15 321,-129 16 1,153-5-292,0 2 0,1 2 0,-67 29-1,59-21-42,26-13 9,0-1 0,-1-2 0,0-1 0,-1-2 0,1-1 0,-33-2 0,13 1 0,-52 7 0,50 3 0,-72 23 0,77-18 0,-89 14 0,91-28 0,43-2 0,1 0 0,-1 0 0,1 0 0,-1-1 0,0 1 0,1-1 0,-1 0 0,1 0 0,-1 0 0,1 0 0,0 0 0,-1 0 0,1-1 0,-3-2 0,5 4 0,0 0 0,-1 0 0,1-1 0,0 1 0,0 0 0,0 0 0,0 0 0,0 0 0,0-1 0,0 1 0,0 0 0,0 0 0,0 0 0,0 0 0,0-1 0,0 1 0,0 0 0,0 0 0,0 0 0,0-1 0,0 1 0,0 0 0,0 0 0,0 0 0,0 0 0,0-1 0,0 1 0,0 0 0,1 0 0,-1 0 0,0 0 0,0 0 0,0-1 0,0 1 0,0 0 0,0 0 0,1 0 0,-1 0 0,0 0 0,0 0 0,0 0 0,0 0 0,1-1 0,-1 1 0,0 0 0,0 0 0,0 0 0,0 0 0,1 0 0,-1 0 0,0 0 0,1 0 0,12-2 0,36-3 0,0 2 0,88 7 0,-119-1 0,1 1 0,-2 0 0,1 2 0,0 0 0,-1 1 0,0 0 0,-1 1 0,30 21 0,13 5 0,-38-25 0,0 0 0,1-1 0,0 0 0,0-2 0,1-1 0,39 4 0,-12-6 0,0-1 0,52-6 0,145-34 0,-185 24 0,2 3 0,0 3 0,82 1 0,-21 13 0,-47-1 0,144-9 0,-199 2 0,1-2 0,-1 2 0,1 0 0,0 2 0,0 0 0,47 9 0,-45-4 0,0-1 0,0 0 0,0-2 0,1-2 0,-1 0 0,0-1 0,1-2 0,33-7 0,-37 6 0,44-12 0,-63 14 0,1 1 0,-1-1 0,0 0 0,1-1 0,-1 1 0,0-1 0,-1 0 0,1 0 0,0 0 0,-1 0 0,0-1 0,3-3 0,-5 7 0,-1-1 0,1 0 0,-1 1 0,1-1 0,-1 1 0,0-1 0,1 0 0,-1 1 0,0-1 0,1 0 0,-1 1 0,0-1 0,0 0 0,0 0 0,0 1 0,0-1 0,0 0 0,0 0 0,0 1 0,0-1 0,0 0 0,0 1 0,0-1 0,-1 0 0,1 0 0,0 1 0,0-1 0,-1 0 0,1 1 0,0-1 0,-1 1 0,1-1 0,-1 0 0,1 1 0,-1-1 0,1 1 0,-1-1 0,1 1 0,-1-1 0,0 1 0,1 0 0,-1-1 0,1 1 0,-1 0 0,0-1 0,0 1 0,1 0 0,-1 0 0,0 0 0,-1-1 0,-1 0 0,-1 1 0,0-1 0,1 0 0,-1 1 0,0 0 0,1 0 0,-1 0 0,0 0 0,-4 2 0,-162 59 0,111-47-111,0-3 0,-101 6 1,-125-12-313,227-5 403,-380 13-34,428-12 54,-6 1 0,0-1 0,0-1 0,-1 0 0,1-1 0,-23-4 0,38 5 10,0 0 0,0 0 0,0 0 0,0 0 0,1-1 0,-1 1 1,0 0-1,0 0 0,0-1 0,0 1 0,0 0 0,0-1 0,1 1 0,-1-1 0,0 1 0,0-1 0,1 1 0,-1-1 0,0 0 0,1 1 1,-1-1-1,1 0 0,-1 0 0,1 1 0,-1-1 0,1 0 0,-1 0 0,1 0 0,0 0 0,-1 1 0,1-1 0,0 0 0,0 0 0,0 0 1,0 0-1,0 0 0,0 0 0,0 0 0,0-1 0,1 0 14,0 0 1,0 0-1,0 0 1,0 1 0,1-1-1,-1 0 1,1 1-1,-1-1 1,1 1-1,-1 0 1,1-1-1,0 1 1,0 0-1,-1 0 1,1 0-1,4-1 1,23-7-22,-1 2-1,1 1 1,43-3 0,12-3-5,-13-1 2,213-32 0,-63 5 0,-167 27 0,1 3 0,0 1 0,83-1 0,-128 11 0,0 1 0,0 0 0,0 1 0,-1 0 0,1 1 0,-1 0 0,0 0 0,0 1 0,0 0 0,0 1 0,-1 0 0,10 9 0,35 21 0,18 0 0,92 32 0,-70-31 0,-55-21 0,70 19 0,-95-32 0,0 0 0,0-1 0,0-1 0,0 0 0,0-1 0,0 0 0,0-1 0,0-1 0,21-4 0,-18 1 0,5-2 0,1 1 0,0 2 0,1 0 0,-1 1 0,35 0 0,18 9 0,116 28 0,-43-7 0,-136-25 0,-1 0 0,0-1 0,0-1 0,1 0 0,-1-1 0,0 0 0,1 0 0,-1-1 0,0-1 0,0 0 0,0 0 0,-1-1 0,19-9 0,-24 10 0,1 1 0,0-1 0,0 2 0,0-1 0,0 1 0,0-1 0,0 2 0,0-1 0,0 1 0,0 0 0,0 0 0,1 1 0,7 1 0,5 3 0,-1 0 0,35 16 0,-42-15 0,0-1 0,1-1 0,-1 1 0,1-2 0,0 0 0,0 0 0,0-1 0,0 0 0,1-1 0,20-1 0,-6-6 0,0-2 0,-1-1 0,0 0 0,-1-2 0,36-21 0,0-7 0,-41 26 0,35-20 0,-13 17 0,0 1 0,0 2 0,1 3 0,1 1 0,-1 2 0,56-2 0,6-4 0,-99 12 0,1 1 0,-1 0 0,1 0 0,-1 1 0,8 1 0,7 7 0,-20-8 0,-1-1 0,0 0 0,1 1 0,-1-1 0,0 1 0,1 0 0,-1-1 0,0 1 0,0-1 0,1 1 0,-1-1 0,0 1 0,0 0 0,0-1 0,0 1 0,0-1 0,0 1 0,0 0 0,0-1 0,0 1 0,0 0 0,0-1 0,0 1 0,0-1 0,-1 1 0,1 0 0,0-1 0,0 1 0,-1 0 0,0 1 0,0-1 0,0 0 0,0 0 0,0 0 0,0 1 0,0-1 0,0 0 0,0 0 0,-1 0 0,1-1 0,0 1 0,-1 0 0,1 0 0,-1-1 0,1 1 0,-1-1 0,1 1 0,-1-1 0,-2 1 0,-36 0 0,-329-47-18,273 30-128,-338-57-2142,-210-30 3,-7 52 2024,388 54 143,58 0 4636,198-3-4392,3 0-96,0-1-1,0 1 1,0 0-1,0 0 1,-1 1-1,1-1 1,0 1-1,0 0 1,0 0-1,1 0 1,-1 1-1,0-1 1,0 1-1,1 0 1,-5 3-1,7-5-29,1 0 0,0 1 0,-1-1 0,1 0 0,0 1 0,-1-1 0,1 0 0,0 1 0,0-1 0,0 1 0,-1-1 0,1 1 0,0-1 0,0 0 0,0 1 0,0-1 0,0 1 0,0-1 0,0 1 0,0-1 0,0 1 0,0-1 0,0 1 0,0-1 0,0 0 0,0 1 0,0-1 0,0 1 0,1-1 0,-1 1 0,0-1 0,0 0 0,0 1 0,1-1 0,-1 1 0,0-1 0,1 0 0,-1 1 0,0-1 0,1 0 0,-1 0 0,0 1 0,1-1 0,-1 0 0,0 0 0,1 1 0,-1-1 0,1 0 0,24 7 0,35-6 0,-31-1 0,52 6 0,37 11 0,213 2 0,-108-7 0,-132-5 0,109-5 0,-123-6-34,41-5-183,1 6 0,135 13 1,142 50 216,-134-17 0,-236-40 0,-1 1 0,1 1 0,-1 1 0,0 2 0,42 17 0,-17-5 684,-50-20-684,0 0 0,0 0 0,1 0 0,-1 0 0,0 0 0,0 1 0,0-1 0,0 0 0,0 0 0,0 0 0,0 0 0,0 1 0,1-1 0,-1 0 0,0 0 0,0 0 0,0 0 0,0 1 0,0-1 0,0 0 0,0 0 0,0 0 0,0 1 0,0-1 0,0 0 0,0 0 0,0 0 0,0 0 0,0 1 0,-1-1 0,1 0 0,0 0 0,0 0 0,0 1 0,0-1 0,0 0 0,0 0 0,0 0 0,0 0 0,-1 0 0,1 0 0,0 1 0,0-1 0,0 0 0,0 0 0,0 0 0,-1 0 0,1 0 0,0 0 0,0 0 0,0 0 0,0 0 0,-1 0 0,1 0 0,0 0 0,-11 6 0,-21 7 0,-1-2 0,-69 12 0,-69-1 0,155-20 0,-36 6 0,48-7 0,1 0 0,-1 0 0,1 0 0,0 0 0,0 1 0,-1-1 0,1 1 0,0 0 0,1 0 0,-1 0 0,0 0 0,-3 4 0,6-6 0,0 0 0,0 1 0,0-1 0,0 1 0,-1-1 0,1 0 0,0 1 0,0-1 0,0 1 0,0-1 0,0 1 0,0-1 0,0 1 0,0-1 0,0 0 0,0 1 0,1-1 0,-1 1 0,0-1 0,0 0 0,0 1 0,0-1 0,1 1 0,-1-1 0,0 0 0,0 1 0,1-1 0,-1 0 0,0 1 0,1-1 0,-1 0 0,0 1 0,1-1 0,-1 0 0,0 0 0,1 1 0,-1-1 0,1 0 0,-1 0 0,0 0 0,1 0 0,-1 0 0,1 1 0,24 7 0,-22-7 0,34 8 0,1-2 0,0-1 0,1-2 0,-1-2 0,1-1 0,-1-2 0,0-2 0,1-1 0,48-13 0,-46 5 0,-1-2 0,0-2 0,40-23 0,-64 32 0,9-4 0,1 1 0,1 2 0,-1 1 0,1 1 0,0 1 0,1 1 0,50 0 0,-76 4 0,-1 0 0,1 0 0,-1 0 0,0 0 0,1 0 0,-1 0 0,1 0 0,-1 1 0,1-1 0,-1 1 0,0-1 0,1 1 0,-1-1 0,0 1 0,0 0 0,1-1 0,-1 1 0,0 0 0,0 0 0,0 0 0,2 2 0,-3-2 0,0 0 0,0 0 0,0 0 0,0 0 0,0 0 0,0 0 0,-1-1 0,1 1 0,0 0 0,0 0 0,-1 0 0,1 0 0,-1 0 0,1 0 0,-1 0 0,1 0 0,-1-1 0,1 1 0,-1 0 0,0 0 0,1-1 0,-1 1 0,0 0 0,0-1 0,1 1 0,-1-1 0,0 1 0,0-1 0,0 1 0,-1-1 0,-37 22 0,-1-2 0,-46 15 0,-40 20 0,37-15 0,112-54 0,0 1 0,0 1 0,1 0 0,1 2 0,43-11 0,-64 19 0,248-71 0,-169 46-93,2 4-1,0 3 0,1 4 0,1 4 1,91-1-1,264 14 94,-222 2 0,-125 2 166,101 18 0,31 3 64,-114-23-230,-71-4 0,0 2 0,-1 2 0,1 2 0,70 18 0,-84-16 0,1 0 0,0-2 0,58 3 0,87-13 0,-155 3 0,-1 0 0,1-2 0,-1 0 0,0-1 0,29-13 0,81-47 0,-19 8 0,-51 28 0,-39 19 0,0 0 0,1 1 0,40-12 0,-7 9 0,-1 2 0,1 2 0,84-1 0,-94 9 0,-15 2 0,0-2 0,0-1 0,0-1 0,0-2 0,46-11 0,-33 4 0,1 3 0,0 1 0,0 2 0,1 1 0,63 5 0,-89-2 0,1 1 0,-1-2 0,0 0 0,0-1 0,-1-1 0,20-7 0,-3-2 0,-2-1 0,31-19 0,-56 30 0,0 0 0,1 0 0,-1 1 0,1 0 0,-1 0 0,1 1 0,0 0 0,-1 0 0,1 1 0,0-1 0,0 1 0,0 1 0,-1 0 0,13 2 0,-7-2 0,19 1 0,-26-2 0,0 0 0,1 0 0,-1 0 0,0 1 0,0 0 0,8 2 0,-11-2 0,0 0 0,0 0 0,0 1 0,0-1 0,0 0 0,-1 1 0,1-1 0,0 1 0,-1 0 0,1-1 0,-1 1 0,0 0 0,0 0 0,1 0 0,-1 0 0,-1 0 0,1 0 0,0 0 0,1 4 0,12 49 0,-13-54 0,-1 0 0,1 0 0,0-1 0,-1 1 0,1 0 0,0-1 0,0 1 0,0-1 0,0 1 0,-1-1 0,1 1 0,0-1 0,0 0 0,0 1 0,0-1 0,0 0 0,0 0 0,0 0 0,0 0 0,0 0 0,0 0 0,0 0 0,0 0 0,0 0 0,0 0 0,0 0 0,0-1 0,1 1 0,4-1 0,36 2 0,0 1 0,0 3 0,-1 1 0,75 21 0,-22-5 0,-58-14 0,8 2 0,0-2 0,1-1 0,53 0 0,610-9 0,-701 2 0,-4 0 0,1 0 0,-1 1 0,0-1 0,1-1 0,-1 1 0,0 0 0,1-1 0,-1 0 0,0 1 0,0-1 0,1-1 0,-1 1 0,0 0 0,3-3 0,-6 4 0,1-1 0,-1 1 0,0 0 0,0-1 0,0 1 0,0 0 0,0-1 0,0 1 0,0 0 0,-1-1 0,1 1 0,0-1 0,0 1 0,0 0 0,0 0 0,0-1 0,0 1 0,-1 0 0,1-1 0,0 1 0,0 0 0,-1-1 0,1 1 0,0 0 0,0 0 0,-1 0 0,1-1 0,0 1 0,0 0 0,-1 0 0,1 0 0,0 0 0,-1-1 0,1 1 0,0 0 0,-1 0 0,1 0 0,0 0 0,-1 0 0,1 0 0,-1 0 0,1 0 0,0 0 0,-1 0 0,0 0 0,-18-4 0,0 4 0,1 0 0,-1 2 0,0 0 0,1 1 0,0 1 0,0 0 0,-23 9 0,-42 10 0,-12-2 0,53-10 0,0-2 0,-1-2 0,-52 1 0,3-2 0,-156 29 0,154-18 0,-142 7 0,-144-25 0,355 0 0,-1-2 0,1-1 0,-39-11 0,-41-6 0,66 18 0,0 2 0,0 1 0,0 3 0,0 1 0,0 2 0,-63 17 0,5 7 0,-128 58 0,171-67 0,-73 17 0,-5 2 0,58-15 0,0-4 0,-2-2 0,-141 14 0,129-24 0,-130 7 0,150-12 0,0 2 0,0 3 0,0 4 0,2 2 0,-65 24 0,115-33 0,0-2 0,0 0 0,0-1 0,-1-1 0,1 0 0,-1-2 0,1 1 0,-1-2 0,1 0 0,-1-1 0,1-1 0,0 0 0,0-1 0,-27-11 0,13 6 0,0 2 0,-1 1 0,0 1 0,1 2 0,-37 1 0,-21-3 0,11 0 0,29 2 0,-50-9 0,82 9 0,1-1 0,0 0 0,0-1 0,0-1 0,1 0 0,0-1 0,-18-11 0,7 1 0,-42-21 0,56 33 0,-1 1 0,1 0 0,-1 0 0,0 1 0,0 1 0,-22-2 0,-97 3 0,92 3 0,1-2 0,-1-1 0,-73-13 0,107 13 0,1 0 0,0-1 0,0 1 0,0-1 0,1 1 0,-1-1 0,-4-3 0,8 5 0,-1 0 0,1-1 0,-1 0 0,1 1 0,-1-1 0,1 1 0,-1-1 0,1 1 0,0-1 0,-1 0 0,1 1 0,0-1 0,-1 0 0,1 1 0,0-1 0,0 0 0,0 1 0,0-1 0,0 0 0,0 0 0,0 1 0,0-1 0,0 0 0,0 0 0,0 1 0,0-1 0,0 0 0,0 1 0,1-1 0,-1 0 0,0 1 0,1-1 0,-1 0 0,0 1 0,1-1 0,-1 1 0,1-1 0,-1 0 0,1 1 0,-1-1 0,1 1 0,-1 0 0,1-1 0,0 1 0,-1-1 0,2 0 0,5-4 0,0 0 0,0 1 0,1-1 0,-1 1 0,1 1 0,0-1 0,0 1 0,0 1 0,12-3 0,14-1 0,37-2 0,5-1 0,82-19 0,167-7 0,420 31-1039,-18 62 1028,-495-32 295,-192-24-148,0-2 1,0-1-1,70-13 1,-83 7-18,48-19 0,-53 17-124,-1 1 1,2 1 0,32-5-1,203-18 5,-190 18 0,21 0 0,209-20 0,-270 29 0,1-2 0,-1-1 0,44-15 0,78-40 0,-52 19 0,-79 35 0,0 0 0,0 2 0,34-6 0,-45 9 0,0 2 0,0-1 0,0 1 0,0 1 0,0-1 0,0 1 0,0 1 0,0 0 0,0 0 0,-1 0 0,15 7 0,13 11 0,40 30 0,-51-32 0,0-2 0,1 0 0,54 23 0,-16-12 0,-2 3 0,59 38 0,-103-57 0,-4-5 0,0 0 0,0-1 0,1-1 0,-1 0 0,20 3 0,-21-5 0,0 1 0,0 0 0,1 1 0,-2 0 0,1 1 0,0 0 0,12 9 0,-11-6 0,0-1 0,1 0 0,0-1 0,24 7 0,-22-8 0,0 1 0,-1 0 0,21 12 0,-21-10 0,0-1 0,31 11 0,13 6 0,-53-19 0,-14-5 0,-15-5 0,-37-12 0,-90-14 0,85 21 0,24 3 0,-73-3 0,-30 12 0,-120-3 0,250-1 0,1 0 0,0-1 0,0-1 0,0 0 0,0 0 0,1-2 0,-1 1 0,1-1 0,1-1 0,-18-13 0,15 11 0,9 6 0,0 1 0,0-1 0,-1 1 0,1 0 0,-1 0 0,0 1 0,1 0 0,-1 0 0,0 0 0,0 0 0,0 1 0,-9 1 0,-5 1 0,0 1 0,-26 8 0,-15 3 0,21-6 0,0 2 0,1 2 0,0 2 0,-45 22 0,-55 19 0,114-47 3,-56 19-70,-95 46 1,-143 90-1020,-103 49-600,305-157 1660,-14 8 24,-176 56 0,239-102 96,0-3 0,-95 7 0,65-10 486,-62 3 329,-205-10 1,202-6-659,150 3-251,0 1 0,1 0 0,-1 1 0,1 1 0,-1 0 0,1 0 0,0 1 0,1 1 0,-1 0 0,-17 12 0,16-9 0,0-2 0,0 1 0,-1-2 0,0 0 0,-1 0 0,1-2 0,-16 4 0,-10-4 0,-80-3 0,83-3 0,0 2 0,-68 9 0,73-3 0,-46 9 0,-122 8 0,170-21 0,0 1 0,1 1 0,-1 2 0,-30 11 0,-109 46 0,118-42 0,0-1 0,-1-3 0,-74 14 0,77-25 0,0-2 0,-61-3 0,-97-16 0,-50 0 0,232 16 0,-1 1 0,1 1 0,0 1 0,-29 9 0,-93 38 0,0-1 0,100-37 0,-2-2 0,-50 5 0,77-14 0,0-1 0,0-1 0,-1-1 0,1-1 0,0-1 0,-42-11 0,-15-7 0,0 4 0,-1 4 0,0 3 0,-1 3 0,-84 5 0,-104-18 0,241 16 0,-15-2 0,30 3 0,0 1 0,0 0 0,0 2 0,0-1 0,0 1 0,0 1 0,-17 3 0,6 1 0,-19 5 0,-1-1 0,-53 2 0,84-10 0,-1-1 0,0-1 0,0 0 0,1 0 0,-1-2 0,1 0 0,-1 0 0,1-1 0,0-1 0,1 0 0,-19-11 0,16 6 0,-1 1 0,0 1 0,-1 0 0,0 1 0,0 1 0,0 0 0,-1 1 0,-18-2 0,20 5 0,9 2 0,0-1 0,1 1 0,-1-2 0,0 1 0,-7-3 0,13 3 0,0 1 0,0-1 0,0 1 0,0-1 0,0 1 0,0-1 0,0 0 0,0 1 0,0-1 0,1 0 0,-1 0 0,0 0 0,0 0 0,1 1 0,-1-1 0,1 0 0,-1 0 0,1 0 0,-1 0 0,1-1 0,-1 1 0,1 0 0,0 0 0,0 0 0,0 0 0,-1 0 0,1 0 0,0 0 0,0-1 0,1 1 0,-1 0 0,0 0 0,0 0 0,0 0 0,1 0 0,0-2 0,-1 2 0,0 0 0,0 0 0,1 0 0,-1 0 0,0 0 0,0 0 0,-1-1 0,1 1 0,0 0 0,0 0 0,0 0 0,-1 0 0,1 0 0,-1 0 0,1 0 0,-1 0 0,1 0 0,-1 0 0,1 0 0,-1 0 0,0 0 0,1 0 0,-1 1 0,0-1 0,0 0 0,0 0 0,0 1 0,0-1 0,0 1 0,0-1 0,0 1 0,0-1 0,0 1 0,0-1 0,0 1 0,0 0 0,0 0 0,0 0 0,-2-1 0,-7-1 0,0 1 0,-1-1 0,-12 1 0,15 1 0,-55-1 0,41 2 0,1-2 0,-1 0 0,1-1 0,0-1 0,-41-11 0,51 10 0,0 0 0,0 1 0,-1 1 0,1-1 0,0 2 0,-1 0 0,0 0 0,1 1 0,-1 0 0,1 1 0,-1 1 0,1 0 0,-1 0 0,1 1 0,-12 5 0,-7 2 0,5-1 0,0 0 0,-52 8 0,68-15 0,1-2 0,0 1 0,0-1 0,-1-1 0,1 1 0,0-2 0,0 1 0,-1-1 0,1 0 0,0 0 0,1-1 0,-1 0 0,-13-8 0,3-2 0,0 0 0,2-2 0,-1 1 0,-19-26 0,-28-24 0,60 61 0,-1-1 0,0 1 0,0 0 0,0 0 0,-1 0 0,1 1 0,-1 0 0,1 0 0,-10-2 0,-54-4 0,53 8 0,1-2 0,0 0 0,-25-6 0,27 4 0,-22-6 0,0-3 0,-51-25 0,81 36 0,0 0 0,0-1 0,-1 2 0,1-1 0,-1 0 0,1 1 0,-1 0 0,1 1 0,-1-1 0,0 1 0,1 0 0,-1 0 0,0 1 0,1-1 0,-7 3 0,-20 1 0,27-4 0,1-1 0,-1 1 0,0-1 0,1 0 0,-1 0 0,0 0 0,1 0 0,0-1 0,-1 0 0,1 0 0,0 0 0,-8-6 0,-46-39 0,35 27 0,14 11 0,-2 2 0,1-1 0,-1 1 0,0 1 0,0 0 0,0 1 0,-1 0 0,0 0 0,0 1 0,0 1 0,-21-3 0,-13-3 0,0-2 0,-73-27 0,70 21 0,8 6 0,-82-13 0,77 17 0,-56-16 0,39 3 0,-91-24 0,143 43 0,0 0 0,0 1 0,1 0 0,-1 0 0,0 1 0,0 1 0,0 0 0,1 0 0,-1 1 0,-20 8 0,13-4 0,-2-2 0,-22 5 0,-257 44 0,288-53 0,0-1 0,0 0 0,0 0 0,0-1 0,0-1 0,0 0 0,0 0 0,1-1 0,-13-5 0,-16-8 0,-40-22 0,26 11 0,35 18 0,-20-10 0,-1 2 0,0 2 0,-1 1 0,-46-9 0,34 16 0,-87-2 0,36 5 0,90 2 0,0 0 0,1 0 0,0-1 0,-1-1 0,1 0 0,-20-10 0,-63-42 0,19 9 0,54 37 0,-1 0 0,0 2 0,-1 1 0,0 1 0,0 0 0,0 2 0,-1 1 0,-25 0 0,39 3 0,0 1 0,1 0 0,-1 1 0,0 0 0,1 1 0,0 0 0,-1 0 0,-17 10 0,-7 1 0,23-11 0,0-1 0,-1 0 0,1-1 0,-1 0 0,1-1 0,-1 0 0,1-1 0,-1 0 0,1-1 0,-18-5 0,-50-5 0,-18 13 0,-20-2 0,105-2 0,1 1 0,0-1 0,1-1 0,-1 0 0,1-1 0,0 0 0,0-1 0,-11-7 0,-30-14 0,38 20 0,2 2 0,0-1 0,0 2 0,0 0 0,-1 0 0,-24-3 0,19 4 0,-1-1 0,1 0 0,-30-12 0,31 9 0,0 2 0,0 0 0,-1 1 0,-24-3 0,24 6 0,-5-2 0,1 2 0,-1 1 0,1 0 0,-1 2 0,-38 7 0,57-7 0,0 0 0,0 0 0,0 1 0,0-1 0,1 1 0,-1 0 0,1 0 0,0 0 0,0 1 0,0-1 0,0 1 0,1 0 0,-1-1 0,1 1 0,0 0 0,0 1 0,0-1 0,1 0 0,-1 0 0,1 1 0,0-1 0,0 1 0,1-1 0,-1 1 0,1 8 0,0-7 0,0 1 0,0 0 0,0-1 0,1 1 0,0 0 0,0-1 0,1 1 0,0-1 0,0 1 0,0-1 0,1 0 0,0 0 0,0 0 0,0 0 0,1 0 0,0-1 0,5 6 0,11 6 0,1 0 0,0-2 0,2 0 0,28 14 0,-36-22 0,0-1 0,1 0 0,-1-2 0,1 1 0,0-2 0,0 0 0,0-1 0,19 0 0,28-3 0,38 1 0,-96 1 0,-1 0 0,0 0 0,1 0 0,-1 1 0,0-1 0,0 1 0,0 0 0,7 5 0,-8-5 0,0 0 0,0 0 0,1-1 0,-1 1 0,1-1 0,-1 1 0,1-1 0,0 0 0,-1 0 0,1-1 0,0 1 0,6-1 0,-2 0 0,0 0 0,0 1 0,0 0 0,-1 0 0,1 1 0,0 0 0,-1 0 0,1 0 0,-1 1 0,0 0 0,0 1 0,11 7 0,-18-11 0,0 0 0,1 0 0,-1 0 0,0 0 0,1 0 0,-1 1 0,0-1 0,0 0 0,1 0 0,-1 1 0,0-1 0,0 0 0,1 0 0,-1 1 0,0-1 0,0 0 0,0 0 0,1 1 0,-1-1 0,0 0 0,0 1 0,0-1 0,0 0 0,0 1 0,0-1 0,0 0 0,0 1 0,0-1 0,0 0 0,0 1 0,0-1 0,0 1 0,-10 4 0,-19-2 0,28-3 0,-14 0 0,-1-2 0,1 0 0,0-1 0,0 0 0,1-1 0,-1-1 0,1 0 0,0-1 0,-15-9 0,5 3 0,-44-13 0,40 17 0,0 1 0,0 2 0,0 0 0,-51 0 0,61 5 0,-1 1 0,1 1 0,-28 7 0,37-7 0,0 1 0,0 0 0,0 0 0,0 1 0,0 1 0,1-1 0,0 1 0,-13 10 0,18-11 0,0 0 0,-1 0 0,1 1 0,1-1 0,-1 1 0,1 0 0,0-1 0,0 1 0,0 0 0,1 0 0,-1 1 0,1-1 0,1 0 0,-1 0 0,1 10 0,-1-5 0,1-1 0,1 1 0,0 0 0,0-1 0,1 0 0,0 1 0,7 17 0,-5-21 0,0 1 0,0-1 0,1 0 0,0 0 0,0 0 0,0 0 0,0-1 0,1 0 0,0 0 0,11 6 0,9 4 0,37 17 0,-37-20 0,-7-2 0,1-1 0,1-1 0,34 8 0,-45-13 0,0-2 0,0 0 0,0 0 0,0-1 0,0 0 0,0 0 0,0-1 0,0-1 0,0 0 0,12-3 0,18-7 0,-30 10 0,-1 0 0,0 0 0,0-1 0,0-1 0,0 0 0,0 0 0,-1 0 0,0-1 0,13-11 0,-8 7 0,0-1 0,1 2 0,0 0 0,19-8 0,10-6 0,-32 17 0,-1 1 0,1 0 0,0 1 0,0 0 0,1 0 0,-1 1 0,0 1 0,16 0 0,-8-1 0,-1 0 0,22-5 0,8-4 0,-35 9 0,0-1 0,0 0 0,-1 0 0,1-1 0,-1-1 0,0 0 0,0-1 0,21-14 0,-5 0 0,49-27 0,-3 4 0,-44 26 26,1 1 0,0 2 0,1 1 0,36-10 0,15-6-1521</inkml:trace>
+</inkml:ink>
+</file>
+
+<file path=ppt/ink/ink6.xml><?xml version="1.0" encoding="utf-8"?>
+<inkml:ink xmlns:inkml="http://www.w3.org/2003/InkML">
+  <inkml:definitions>
+    <inkml:context xml:id="ctx0">
+      <inkml:inkSource xml:id="inkSrc0">
+        <inkml:traceFormat>
+          <inkml:channel name="X" type="integer" min="-2.14748E9" max="2.14748E9" units="cm"/>
+          <inkml:channel name="Y" type="integer" min="-2.14748E9" max="2.14748E9" units="cm"/>
+          <inkml:channel name="F" type="integer" max="32767" units="dev"/>
+        </inkml:traceFormat>
+        <inkml:channelProperties>
+          <inkml:channelProperty channel="X" name="resolution" value="1000" units="1/cm"/>
+          <inkml:channelProperty channel="Y" name="resolution" value="1000" units="1/cm"/>
+          <inkml:channelProperty channel="F" name="resolution" value="0" units="1/dev"/>
+        </inkml:channelProperties>
+      </inkml:inkSource>
+      <inkml:timestamp xml:id="ts0" timeString="2022-12-01T00:29:29.591"/>
+    </inkml:context>
+    <inkml:brush xml:id="br0">
+      <inkml:brushProperty name="width" value="0.05" units="cm"/>
+      <inkml:brushProperty name="height" value="0.05" units="cm"/>
+    </inkml:brush>
+  </inkml:definitions>
+  <inkml:trace contextRef="#ctx0" brushRef="#br0">0 1 24575,'8'7'0,"0"-1"0,1 0 0,0 0 0,0-1 0,0 0 0,12 5 0,-11-6 0,0 1 0,-1 0 0,0 0 0,0 1 0,16 13 0,44 56 0,13 14 0,-71-78 0,-1 0 0,-1 0 0,0 1 0,-1 0 0,9 18 0,9 13 0,-21-36 0,1-1 0,0 0 0,0 0 0,6 6 0,-4-6 0,-12-10 0,3 3 0,0-1 0,-1 0 0,1 0 0,-1 1 0,1-1 0,-1 1 0,0 0 0,0-1 0,0 1 0,0 0 0,0 0 0,0 0 0,0 0 0,0 0 0,0 1 0,0-1 0,0 1 0,-1-1 0,1 1 0,-3 0 0,-5 0 0,0 1 0,0 1 0,0 0 0,0 0 0,0 1 0,0 0 0,1 1 0,0 0 0,-1 0 0,1 1 0,1 0 0,-15 11 0,-4 7 0,2 0 0,-33 39 0,11-11 0,38-41-243,1 0 0,1 1 0,-10 17 0,15-24-150,-7 11-6433</inkml:trace>
+</inkml:ink>
+</file>
+
+<file path=ppt/ink/ink7.xml><?xml version="1.0" encoding="utf-8"?>
+<inkml:ink xmlns:inkml="http://www.w3.org/2003/InkML">
+  <inkml:definitions>
+    <inkml:context xml:id="ctx0">
+      <inkml:inkSource xml:id="inkSrc0">
+        <inkml:traceFormat>
+          <inkml:channel name="X" type="integer" min="-2.14748E9" max="2.14748E9" units="cm"/>
+          <inkml:channel name="Y" type="integer" min="-2.14748E9" max="2.14748E9" units="cm"/>
+          <inkml:channel name="F" type="integer" max="32767" units="dev"/>
+        </inkml:traceFormat>
+        <inkml:channelProperties>
+          <inkml:channelProperty channel="X" name="resolution" value="1000" units="1/cm"/>
+          <inkml:channelProperty channel="Y" name="resolution" value="1000" units="1/cm"/>
+          <inkml:channelProperty channel="F" name="resolution" value="0" units="1/dev"/>
+        </inkml:channelProperties>
+      </inkml:inkSource>
+      <inkml:timestamp xml:id="ts0" timeString="2022-12-01T00:29:30.762"/>
+    </inkml:context>
+    <inkml:brush xml:id="br0">
+      <inkml:brushProperty name="width" value="0.05" units="cm"/>
+      <inkml:brushProperty name="height" value="0.05" units="cm"/>
+    </inkml:brush>
+  </inkml:definitions>
+  <inkml:trace contextRef="#ctx0" brushRef="#br0">0 304 24575,'1'-3'0,"0"-1"0,0 1 0,1-1 0,-1 1 0,1 0 0,0 0 0,0-1 0,0 1 0,4-4 0,7-13 0,-7 4 0,0 0 0,4-19 0,-8 25 0,1 1 0,-1-1 0,2 0 0,0 1 0,0-1 0,0 1 0,1 0 0,1 1 0,8-12 0,-7 12 0,1 1 0,1-1 0,-1 1 0,1 1 0,0 0 0,0 0 0,19-8 0,-22 12 0,0-1 0,0 1 0,0 1 0,0-1 0,0 1 0,0 0 0,0 0 0,0 1 0,1-1 0,-1 1 0,0 1 0,0-1 0,1 1 0,-1 0 0,7 3 0,-7-1 0,0 1 0,0 0 0,-1 1 0,0-1 0,1 1 0,-1 0 0,-1 0 0,1 0 0,-1 1 0,0 0 0,0 0 0,-1 0 0,5 9 0,22 31 0,-18-31 0,74 94 0,-79-99 0,0-1 0,-1 1 0,-1 1 0,1-1 0,-2 1 0,0 0 0,0 0 0,-1 0 0,0 0 0,-1 1 0,0-1 0,0 14 0,-3 91 0,1 21 0,2-125-227,0 0-1,1 0 1,0 0-1,1 0 1,7 15-1,-1-8-6598</inkml:trace>
+</inkml:ink>
+</file>
+
+<file path=ppt/ink/ink8.xml><?xml version="1.0" encoding="utf-8"?>
+<inkml:ink xmlns:inkml="http://www.w3.org/2003/InkML">
+  <inkml:definitions>
+    <inkml:context xml:id="ctx0">
+      <inkml:inkSource xml:id="inkSrc0">
+        <inkml:traceFormat>
+          <inkml:channel name="X" type="integer" min="-2.14748E9" max="2.14748E9" units="cm"/>
+          <inkml:channel name="Y" type="integer" min="-2.14748E9" max="2.14748E9" units="cm"/>
+          <inkml:channel name="F" type="integer" max="32767" units="dev"/>
+        </inkml:traceFormat>
+        <inkml:channelProperties>
+          <inkml:channelProperty channel="X" name="resolution" value="1000" units="1/cm"/>
+          <inkml:channelProperty channel="Y" name="resolution" value="1000" units="1/cm"/>
+          <inkml:channelProperty channel="F" name="resolution" value="0" units="1/dev"/>
+        </inkml:channelProperties>
+      </inkml:inkSource>
+      <inkml:timestamp xml:id="ts0" timeString="2022-12-01T00:29:31.558"/>
+    </inkml:context>
+    <inkml:brush xml:id="br0">
+      <inkml:brushProperty name="width" value="0.05" units="cm"/>
+      <inkml:brushProperty name="height" value="0.05" units="cm"/>
+    </inkml:brush>
+  </inkml:definitions>
+  <inkml:trace contextRef="#ctx0" brushRef="#br0">356 1 24575,'-1'0'0,"0"0"0,0 0 0,0 1 0,0-1 0,0 1 0,0-1 0,0 0 0,0 1 0,0 0 0,1-1 0,-1 1 0,0-1 0,0 1 0,0 0 0,1 0 0,-1 0 0,0-1 0,1 1 0,-1 0 0,1 0 0,-2 1 0,-9 25 0,8-20 0,-30 87 0,-12 27 0,39-111 0,-1 0 0,0-1 0,0 1 0,-1-2 0,-1 1 0,1-1 0,-1 0 0,-1-1 0,1 0 0,-1 0 0,-14 6 0,11-6 0,1 1 0,0 0 0,0 1 0,1 0 0,0 1 0,-16 19 0,22-22 0,1-1 0,0 1 0,1 1 0,-1-1 0,2 0 0,-1 1 0,1 0 0,-2 8 0,4-14 0,-1-1 0,1 1 0,0-1 0,0 1 0,-1-1 0,1 1 0,0 0 0,0-1 0,1 1 0,-1-1 0,0 1 0,0-1 0,1 1 0,-1 0 0,1-1 0,-1 1 0,1-1 0,0 0 0,0 1 0,-1-1 0,1 0 0,0 1 0,0-1 0,0 0 0,1 0 0,-1 0 0,0 0 0,0 0 0,1 0 0,-1 0 0,0 0 0,1 0 0,-1-1 0,1 1 0,-1 0 0,1-1 0,-1 0 0,1 1 0,-1-1 0,1 0 0,0 0 0,-1 0 0,1 0 0,-1 0 0,1 0 0,1 0 0,1-1 13,0 0 0,0 1 0,0-1 0,0-1 0,-1 1 0,1-1 0,0 1 0,-1-1-1,6-3 1,19-9-1507,-16 11-5332</inkml:trace>
+</inkml:ink>
+</file>
+
+<file path=ppt/ink/ink9.xml><?xml version="1.0" encoding="utf-8"?>
+<inkml:ink xmlns:inkml="http://www.w3.org/2003/InkML">
+  <inkml:definitions>
+    <inkml:context xml:id="ctx0">
+      <inkml:inkSource xml:id="inkSrc0">
+        <inkml:traceFormat>
+          <inkml:channel name="X" type="integer" min="-2.14748E9" max="2.14748E9" units="cm"/>
+          <inkml:channel name="Y" type="integer" min="-2.14748E9" max="2.14748E9" units="cm"/>
+          <inkml:channel name="F" type="integer" max="32767" units="dev"/>
+        </inkml:traceFormat>
+        <inkml:channelProperties>
+          <inkml:channelProperty channel="X" name="resolution" value="1000" units="1/cm"/>
+          <inkml:channelProperty channel="Y" name="resolution" value="1000" units="1/cm"/>
+          <inkml:channelProperty channel="F" name="resolution" value="0" units="1/dev"/>
+        </inkml:channelProperties>
+      </inkml:inkSource>
+      <inkml:timestamp xml:id="ts0" timeString="2022-12-01T00:29:33.787"/>
+    </inkml:context>
+    <inkml:brush xml:id="br0">
+      <inkml:brushProperty name="width" value="0.05" units="cm"/>
+      <inkml:brushProperty name="height" value="0.05" units="cm"/>
+    </inkml:brush>
+  </inkml:definitions>
+  <inkml:trace contextRef="#ctx0" brushRef="#br0">48 315 24575,'-1'-1'0,"-1"1"0,0-1 0,0 0 0,1 0 0,-1 0 0,1 0 0,-1-1 0,1 1 0,-1 0 0,1-1 0,0 1 0,-1-1 0,1 1 0,0-1 0,0 1 0,0-1 0,-1-3 0,-15-32 0,16 32 0,0 0 0,0-1 0,0 1 0,0-1 0,1 1 0,0-1 0,0 0 0,1 1 0,-1-1 0,1 1 0,1-1 0,-1 1 0,1 0 0,0-1 0,3-5 0,4-8 0,2 1 0,21-29 0,-23 34 0,-3 6 0,0 0 0,0 0 0,1 1 0,7-6 0,-11 9 0,-1 1 0,1 0 0,0 0 0,1 0 0,-1 0 0,0 0 0,0 1 0,1-1 0,-1 1 0,1 0 0,-1 0 0,7 0 0,-9 1 0,0 1 0,1-1 0,-1 1 0,0-1 0,0 1 0,1-1 0,-1 1 0,0 0 0,0 0 0,0 0 0,0 0 0,0 0 0,0 0 0,0 0 0,0 0 0,0 0 0,-1 0 0,1 0 0,0 1 0,-1-1 0,1 0 0,-1 0 0,1 1 0,-1-1 0,0 0 0,1 1 0,-1-1 0,0 1 0,0 1 0,3 47 0,-3-43 0,-2 20 43,0-1 0,-10 39 0,6-36-790,-4 50 0,10-55-6079</inkml:trace>
+</inkml:ink>
+</file>
+
 <file path=ppt/slideLayouts/slideLayout1.xml><?xml version="1.0" encoding="utf-8"?>
 <p:sldLayout xmlns:a="http://schemas.openxmlformats.org/drawingml/2006/main" xmlns:r="http://schemas.openxmlformats.org/officeDocument/2006/relationships" xmlns:p="http://schemas.openxmlformats.org/presentationml/2006/main" type="title" preserve="1">
   <p:cSld name="标题幻灯片">
@@ -356,7 +660,7 @@
           <a:p>
             <a:fld id="{EA6DD7DC-0098-4A4E-830C-B0D4E0F8B2FC}" type="datetimeFigureOut">
               <a:rPr lang="zh-CN" altLang="en-US" smtClean="0"/>
-              <a:t>2022/11/30</a:t>
+              <a:t>2022/12/1</a:t>
             </a:fld>
             <a:endParaRPr lang="zh-CN" altLang="en-US"/>
           </a:p>
@@ -554,7 +858,7 @@
           <a:p>
             <a:fld id="{EA6DD7DC-0098-4A4E-830C-B0D4E0F8B2FC}" type="datetimeFigureOut">
               <a:rPr lang="zh-CN" altLang="en-US" smtClean="0"/>
-              <a:t>2022/11/30</a:t>
+              <a:t>2022/12/1</a:t>
             </a:fld>
             <a:endParaRPr lang="zh-CN" altLang="en-US"/>
           </a:p>
@@ -762,7 +1066,7 @@
           <a:p>
             <a:fld id="{EA6DD7DC-0098-4A4E-830C-B0D4E0F8B2FC}" type="datetimeFigureOut">
               <a:rPr lang="zh-CN" altLang="en-US" smtClean="0"/>
-              <a:t>2022/11/30</a:t>
+              <a:t>2022/12/1</a:t>
             </a:fld>
             <a:endParaRPr lang="zh-CN" altLang="en-US"/>
           </a:p>
@@ -960,7 +1264,7 @@
           <a:p>
             <a:fld id="{EA6DD7DC-0098-4A4E-830C-B0D4E0F8B2FC}" type="datetimeFigureOut">
               <a:rPr lang="zh-CN" altLang="en-US" smtClean="0"/>
-              <a:t>2022/11/30</a:t>
+              <a:t>2022/12/1</a:t>
             </a:fld>
             <a:endParaRPr lang="zh-CN" altLang="en-US"/>
           </a:p>
@@ -1235,7 +1539,7 @@
           <a:p>
             <a:fld id="{EA6DD7DC-0098-4A4E-830C-B0D4E0F8B2FC}" type="datetimeFigureOut">
               <a:rPr lang="zh-CN" altLang="en-US" smtClean="0"/>
-              <a:t>2022/11/30</a:t>
+              <a:t>2022/12/1</a:t>
             </a:fld>
             <a:endParaRPr lang="zh-CN" altLang="en-US"/>
           </a:p>
@@ -1500,7 +1804,7 @@
           <a:p>
             <a:fld id="{EA6DD7DC-0098-4A4E-830C-B0D4E0F8B2FC}" type="datetimeFigureOut">
               <a:rPr lang="zh-CN" altLang="en-US" smtClean="0"/>
-              <a:t>2022/11/30</a:t>
+              <a:t>2022/12/1</a:t>
             </a:fld>
             <a:endParaRPr lang="zh-CN" altLang="en-US"/>
           </a:p>
@@ -1912,7 +2216,7 @@
           <a:p>
             <a:fld id="{EA6DD7DC-0098-4A4E-830C-B0D4E0F8B2FC}" type="datetimeFigureOut">
               <a:rPr lang="zh-CN" altLang="en-US" smtClean="0"/>
-              <a:t>2022/11/30</a:t>
+              <a:t>2022/12/1</a:t>
             </a:fld>
             <a:endParaRPr lang="zh-CN" altLang="en-US"/>
           </a:p>
@@ -2053,7 +2357,7 @@
           <a:p>
             <a:fld id="{EA6DD7DC-0098-4A4E-830C-B0D4E0F8B2FC}" type="datetimeFigureOut">
               <a:rPr lang="zh-CN" altLang="en-US" smtClean="0"/>
-              <a:t>2022/11/30</a:t>
+              <a:t>2022/12/1</a:t>
             </a:fld>
             <a:endParaRPr lang="zh-CN" altLang="en-US"/>
           </a:p>
@@ -2166,7 +2470,7 @@
           <a:p>
             <a:fld id="{EA6DD7DC-0098-4A4E-830C-B0D4E0F8B2FC}" type="datetimeFigureOut">
               <a:rPr lang="zh-CN" altLang="en-US" smtClean="0"/>
-              <a:t>2022/11/30</a:t>
+              <a:t>2022/12/1</a:t>
             </a:fld>
             <a:endParaRPr lang="zh-CN" altLang="en-US"/>
           </a:p>
@@ -2477,7 +2781,7 @@
           <a:p>
             <a:fld id="{EA6DD7DC-0098-4A4E-830C-B0D4E0F8B2FC}" type="datetimeFigureOut">
               <a:rPr lang="zh-CN" altLang="en-US" smtClean="0"/>
-              <a:t>2022/11/30</a:t>
+              <a:t>2022/12/1</a:t>
             </a:fld>
             <a:endParaRPr lang="zh-CN" altLang="en-US"/>
           </a:p>
@@ -2765,7 +3069,7 @@
           <a:p>
             <a:fld id="{EA6DD7DC-0098-4A4E-830C-B0D4E0F8B2FC}" type="datetimeFigureOut">
               <a:rPr lang="zh-CN" altLang="en-US" smtClean="0"/>
-              <a:t>2022/11/30</a:t>
+              <a:t>2022/12/1</a:t>
             </a:fld>
             <a:endParaRPr lang="zh-CN" altLang="en-US"/>
           </a:p>
@@ -3006,7 +3310,7 @@
           <a:p>
             <a:fld id="{EA6DD7DC-0098-4A4E-830C-B0D4E0F8B2FC}" type="datetimeFigureOut">
               <a:rPr lang="zh-CN" altLang="en-US" smtClean="0"/>
-              <a:t>2022/11/30</a:t>
+              <a:t>2022/12/1</a:t>
             </a:fld>
             <a:endParaRPr lang="zh-CN" altLang="en-US"/>
           </a:p>
@@ -3961,6 +4265,964 @@
     <p:extLst>
       <p:ext uri="{BB962C8B-B14F-4D97-AF65-F5344CB8AC3E}">
         <p14:creationId xmlns:p14="http://schemas.microsoft.com/office/powerpoint/2010/main" val="2509587988"/>
+      </p:ext>
+    </p:extLst>
+  </p:cSld>
+  <p:clrMapOvr>
+    <a:masterClrMapping/>
+  </p:clrMapOvr>
+</p:sld>
+</file>
+
+<file path=ppt/slides/slide15.xml><?xml version="1.0" encoding="utf-8"?>
+<p:sld xmlns:a="http://schemas.openxmlformats.org/drawingml/2006/main" xmlns:r="http://schemas.openxmlformats.org/officeDocument/2006/relationships" xmlns:p="http://schemas.openxmlformats.org/presentationml/2006/main">
+  <p:cSld>
+    <p:spTree>
+      <p:nvGrpSpPr>
+        <p:cNvPr id="1" name=""/>
+        <p:cNvGrpSpPr/>
+        <p:nvPr/>
+      </p:nvGrpSpPr>
+      <p:grpSpPr>
+        <a:xfrm>
+          <a:off x="0" y="0"/>
+          <a:ext cx="0" cy="0"/>
+          <a:chOff x="0" y="0"/>
+          <a:chExt cx="0" cy="0"/>
+        </a:xfrm>
+      </p:grpSpPr>
+      <p:pic>
+        <p:nvPicPr>
+          <p:cNvPr id="6" name="图片 5">
+            <a:extLst>
+              <a:ext uri="{FF2B5EF4-FFF2-40B4-BE49-F238E27FC236}">
+                <a16:creationId xmlns:a16="http://schemas.microsoft.com/office/drawing/2014/main" id="{238BF1A4-EEB5-B32B-4260-6FFBAB6F7B2C}"/>
+              </a:ext>
+            </a:extLst>
+          </p:cNvPr>
+          <p:cNvPicPr>
+            <a:picLocks noChangeAspect="1"/>
+          </p:cNvPicPr>
+          <p:nvPr/>
+        </p:nvPicPr>
+        <p:blipFill>
+          <a:blip r:embed="rId2"/>
+          <a:stretch>
+            <a:fillRect/>
+          </a:stretch>
+        </p:blipFill>
+        <p:spPr>
+          <a:xfrm>
+            <a:off x="1000432" y="1695450"/>
+            <a:ext cx="5943600" cy="4686300"/>
+          </a:xfrm>
+          <a:prstGeom prst="rect">
+            <a:avLst/>
+          </a:prstGeom>
+        </p:spPr>
+      </p:pic>
+      <mc:AlternateContent xmlns:mc="http://schemas.openxmlformats.org/markup-compatibility/2006">
+        <mc:Choice xmlns:p14="http://schemas.microsoft.com/office/powerpoint/2010/main" Requires="p14">
+          <p:contentPart p14:bwMode="auto" r:id="rId3">
+            <p14:nvContentPartPr>
+              <p14:cNvPr id="7" name="墨迹 6">
+                <a:extLst>
+                  <a:ext uri="{FF2B5EF4-FFF2-40B4-BE49-F238E27FC236}">
+                    <a16:creationId xmlns:a16="http://schemas.microsoft.com/office/drawing/2014/main" id="{13CA7F7C-84E1-5694-0B1D-67C9443906EE}"/>
+                  </a:ext>
+                </a:extLst>
+              </p14:cNvPr>
+              <p14:cNvContentPartPr/>
+              <p14:nvPr/>
+            </p14:nvContentPartPr>
+            <p14:xfrm>
+              <a:off x="1002530" y="2459861"/>
+              <a:ext cx="664920" cy="28080"/>
+            </p14:xfrm>
+          </p:contentPart>
+        </mc:Choice>
+        <mc:Fallback>
+          <p:pic>
+            <p:nvPicPr>
+              <p:cNvPr id="7" name="墨迹 6">
+                <a:extLst>
+                  <a:ext uri="{FF2B5EF4-FFF2-40B4-BE49-F238E27FC236}">
+                    <a16:creationId xmlns:a16="http://schemas.microsoft.com/office/drawing/2014/main" id="{13CA7F7C-84E1-5694-0B1D-67C9443906EE}"/>
+                  </a:ext>
+                </a:extLst>
+              </p:cNvPr>
+              <p:cNvPicPr/>
+              <p:nvPr/>
+            </p:nvPicPr>
+            <p:blipFill>
+              <a:blip r:embed="rId4"/>
+              <a:stretch>
+                <a:fillRect/>
+              </a:stretch>
+            </p:blipFill>
+            <p:spPr>
+              <a:xfrm>
+                <a:off x="939890" y="2397221"/>
+                <a:ext cx="790560" cy="153720"/>
+              </a:xfrm>
+              <a:prstGeom prst="rect">
+                <a:avLst/>
+              </a:prstGeom>
+            </p:spPr>
+          </p:pic>
+        </mc:Fallback>
+      </mc:AlternateContent>
+      <mc:AlternateContent xmlns:mc="http://schemas.openxmlformats.org/markup-compatibility/2006">
+        <mc:Choice xmlns:p14="http://schemas.microsoft.com/office/powerpoint/2010/main" Requires="p14">
+          <p:contentPart p14:bwMode="auto" r:id="rId5">
+            <p14:nvContentPartPr>
+              <p14:cNvPr id="8" name="墨迹 7">
+                <a:extLst>
+                  <a:ext uri="{FF2B5EF4-FFF2-40B4-BE49-F238E27FC236}">
+                    <a16:creationId xmlns:a16="http://schemas.microsoft.com/office/drawing/2014/main" id="{97FD27CA-B68E-0935-3F59-B67DB6EF993D}"/>
+                  </a:ext>
+                </a:extLst>
+              </p14:cNvPr>
+              <p14:cNvContentPartPr/>
+              <p14:nvPr/>
+            </p14:nvContentPartPr>
+            <p14:xfrm>
+              <a:off x="1127450" y="2417021"/>
+              <a:ext cx="5453280" cy="711360"/>
+            </p14:xfrm>
+          </p:contentPart>
+        </mc:Choice>
+        <mc:Fallback>
+          <p:pic>
+            <p:nvPicPr>
+              <p:cNvPr id="8" name="墨迹 7">
+                <a:extLst>
+                  <a:ext uri="{FF2B5EF4-FFF2-40B4-BE49-F238E27FC236}">
+                    <a16:creationId xmlns:a16="http://schemas.microsoft.com/office/drawing/2014/main" id="{97FD27CA-B68E-0935-3F59-B67DB6EF993D}"/>
+                  </a:ext>
+                </a:extLst>
+              </p:cNvPr>
+              <p:cNvPicPr/>
+              <p:nvPr/>
+            </p:nvPicPr>
+            <p:blipFill>
+              <a:blip r:embed="rId6"/>
+              <a:stretch>
+                <a:fillRect/>
+              </a:stretch>
+            </p:blipFill>
+            <p:spPr>
+              <a:xfrm>
+                <a:off x="1064810" y="2354021"/>
+                <a:ext cx="5578920" cy="837000"/>
+              </a:xfrm>
+              <a:prstGeom prst="rect">
+                <a:avLst/>
+              </a:prstGeom>
+            </p:spPr>
+          </p:pic>
+        </mc:Fallback>
+      </mc:AlternateContent>
+      <p:sp>
+        <p:nvSpPr>
+          <p:cNvPr id="9" name="矩形 8">
+            <a:extLst>
+              <a:ext uri="{FF2B5EF4-FFF2-40B4-BE49-F238E27FC236}">
+                <a16:creationId xmlns:a16="http://schemas.microsoft.com/office/drawing/2014/main" id="{3D62CFD0-F251-2A69-B644-280D4E80926E}"/>
+              </a:ext>
+            </a:extLst>
+          </p:cNvPr>
+          <p:cNvSpPr/>
+          <p:nvPr/>
+        </p:nvSpPr>
+        <p:spPr>
+          <a:xfrm>
+            <a:off x="1000432" y="820265"/>
+            <a:ext cx="4218039" cy="469490"/>
+          </a:xfrm>
+          <a:prstGeom prst="rect">
+            <a:avLst/>
+          </a:prstGeom>
+        </p:spPr>
+        <p:style>
+          <a:lnRef idx="2">
+            <a:schemeClr val="accent5">
+              <a:shade val="50000"/>
+            </a:schemeClr>
+          </a:lnRef>
+          <a:fillRef idx="1">
+            <a:schemeClr val="accent5"/>
+          </a:fillRef>
+          <a:effectRef idx="0">
+            <a:schemeClr val="accent5"/>
+          </a:effectRef>
+          <a:fontRef idx="minor">
+            <a:schemeClr val="lt1"/>
+          </a:fontRef>
+        </p:style>
+        <p:txBody>
+          <a:bodyPr rtlCol="0" anchor="ctr"/>
+          <a:lstStyle/>
+          <a:p>
+            <a:pPr algn="ctr"/>
+            <a:endParaRPr lang="zh-CN" altLang="en-US"/>
+          </a:p>
+        </p:txBody>
+      </p:sp>
+      <p:grpSp>
+        <p:nvGrpSpPr>
+          <p:cNvPr id="13" name="组合 12">
+            <a:extLst>
+              <a:ext uri="{FF2B5EF4-FFF2-40B4-BE49-F238E27FC236}">
+                <a16:creationId xmlns:a16="http://schemas.microsoft.com/office/drawing/2014/main" id="{86CFFAFA-92FC-3407-2E42-30D4A1D157E8}"/>
+              </a:ext>
+            </a:extLst>
+          </p:cNvPr>
+          <p:cNvGrpSpPr/>
+          <p:nvPr/>
+        </p:nvGrpSpPr>
+        <p:grpSpPr>
+          <a:xfrm>
+            <a:off x="5122370" y="1150181"/>
+            <a:ext cx="396720" cy="285480"/>
+            <a:chOff x="5122370" y="1150181"/>
+            <a:chExt cx="396720" cy="285480"/>
+          </a:xfrm>
+        </p:grpSpPr>
+        <mc:AlternateContent xmlns:mc="http://schemas.openxmlformats.org/markup-compatibility/2006">
+          <mc:Choice xmlns:p14="http://schemas.microsoft.com/office/powerpoint/2010/main" Requires="p14">
+            <p:contentPart p14:bwMode="auto" r:id="rId7">
+              <p14:nvContentPartPr>
+                <p14:cNvPr id="10" name="墨迹 9">
+                  <a:extLst>
+                    <a:ext uri="{FF2B5EF4-FFF2-40B4-BE49-F238E27FC236}">
+                      <a16:creationId xmlns:a16="http://schemas.microsoft.com/office/drawing/2014/main" id="{4CFE4494-157B-1E3E-14BC-C42A26D7572E}"/>
+                    </a:ext>
+                  </a:extLst>
+                </p14:cNvPr>
+                <p14:cNvContentPartPr/>
+                <p14:nvPr/>
+              </p14:nvContentPartPr>
+              <p14:xfrm>
+                <a:off x="5122370" y="1159901"/>
+                <a:ext cx="154440" cy="248040"/>
+              </p14:xfrm>
+            </p:contentPart>
+          </mc:Choice>
+          <mc:Fallback>
+            <p:pic>
+              <p:nvPicPr>
+                <p:cNvPr id="10" name="墨迹 9">
+                  <a:extLst>
+                    <a:ext uri="{FF2B5EF4-FFF2-40B4-BE49-F238E27FC236}">
+                      <a16:creationId xmlns:a16="http://schemas.microsoft.com/office/drawing/2014/main" id="{4CFE4494-157B-1E3E-14BC-C42A26D7572E}"/>
+                    </a:ext>
+                  </a:extLst>
+                </p:cNvPr>
+                <p:cNvPicPr/>
+                <p:nvPr/>
+              </p:nvPicPr>
+              <p:blipFill>
+                <a:blip r:embed="rId8"/>
+                <a:stretch>
+                  <a:fillRect/>
+                </a:stretch>
+              </p:blipFill>
+              <p:spPr>
+                <a:xfrm>
+                  <a:off x="5113370" y="1151261"/>
+                  <a:ext cx="172080" cy="265680"/>
+                </a:xfrm>
+                <a:prstGeom prst="rect">
+                  <a:avLst/>
+                </a:prstGeom>
+              </p:spPr>
+            </p:pic>
+          </mc:Fallback>
+        </mc:AlternateContent>
+        <mc:AlternateContent xmlns:mc="http://schemas.openxmlformats.org/markup-compatibility/2006">
+          <mc:Choice xmlns:p14="http://schemas.microsoft.com/office/powerpoint/2010/main" Requires="p14">
+            <p:contentPart p14:bwMode="auto" r:id="rId9">
+              <p14:nvContentPartPr>
+                <p14:cNvPr id="11" name="墨迹 10">
+                  <a:extLst>
+                    <a:ext uri="{FF2B5EF4-FFF2-40B4-BE49-F238E27FC236}">
+                      <a16:creationId xmlns:a16="http://schemas.microsoft.com/office/drawing/2014/main" id="{C93C137C-DE1C-C5FC-3BD3-6515992A4705}"/>
+                    </a:ext>
+                  </a:extLst>
+                </p14:cNvPr>
+                <p14:cNvContentPartPr/>
+                <p14:nvPr/>
+              </p14:nvContentPartPr>
+              <p14:xfrm>
+                <a:off x="5309210" y="1158821"/>
+                <a:ext cx="209880" cy="276840"/>
+              </p14:xfrm>
+            </p:contentPart>
+          </mc:Choice>
+          <mc:Fallback>
+            <p:pic>
+              <p:nvPicPr>
+                <p:cNvPr id="11" name="墨迹 10">
+                  <a:extLst>
+                    <a:ext uri="{FF2B5EF4-FFF2-40B4-BE49-F238E27FC236}">
+                      <a16:creationId xmlns:a16="http://schemas.microsoft.com/office/drawing/2014/main" id="{C93C137C-DE1C-C5FC-3BD3-6515992A4705}"/>
+                    </a:ext>
+                  </a:extLst>
+                </p:cNvPr>
+                <p:cNvPicPr/>
+                <p:nvPr/>
+              </p:nvPicPr>
+              <p:blipFill>
+                <a:blip r:embed="rId10"/>
+                <a:stretch>
+                  <a:fillRect/>
+                </a:stretch>
+              </p:blipFill>
+              <p:spPr>
+                <a:xfrm>
+                  <a:off x="5300210" y="1149821"/>
+                  <a:ext cx="227520" cy="294480"/>
+                </a:xfrm>
+                <a:prstGeom prst="rect">
+                  <a:avLst/>
+                </a:prstGeom>
+              </p:spPr>
+            </p:pic>
+          </mc:Fallback>
+        </mc:AlternateContent>
+        <mc:AlternateContent xmlns:mc="http://schemas.openxmlformats.org/markup-compatibility/2006">
+          <mc:Choice xmlns:p14="http://schemas.microsoft.com/office/powerpoint/2010/main" Requires="p14">
+            <p:contentPart p14:bwMode="auto" r:id="rId11">
+              <p14:nvContentPartPr>
+                <p14:cNvPr id="12" name="墨迹 11">
+                  <a:extLst>
+                    <a:ext uri="{FF2B5EF4-FFF2-40B4-BE49-F238E27FC236}">
+                      <a16:creationId xmlns:a16="http://schemas.microsoft.com/office/drawing/2014/main" id="{56133030-E005-E2FF-6076-C5D7EFA6D678}"/>
+                    </a:ext>
+                  </a:extLst>
+                </p14:cNvPr>
+                <p14:cNvContentPartPr/>
+                <p14:nvPr/>
+              </p14:nvContentPartPr>
+              <p14:xfrm>
+                <a:off x="5377970" y="1150181"/>
+                <a:ext cx="128520" cy="206280"/>
+              </p14:xfrm>
+            </p:contentPart>
+          </mc:Choice>
+          <mc:Fallback>
+            <p:pic>
+              <p:nvPicPr>
+                <p:cNvPr id="12" name="墨迹 11">
+                  <a:extLst>
+                    <a:ext uri="{FF2B5EF4-FFF2-40B4-BE49-F238E27FC236}">
+                      <a16:creationId xmlns:a16="http://schemas.microsoft.com/office/drawing/2014/main" id="{56133030-E005-E2FF-6076-C5D7EFA6D678}"/>
+                    </a:ext>
+                  </a:extLst>
+                </p:cNvPr>
+                <p:cNvPicPr/>
+                <p:nvPr/>
+              </p:nvPicPr>
+              <p:blipFill>
+                <a:blip r:embed="rId12"/>
+                <a:stretch>
+                  <a:fillRect/>
+                </a:stretch>
+              </p:blipFill>
+              <p:spPr>
+                <a:xfrm>
+                  <a:off x="5368970" y="1141541"/>
+                  <a:ext cx="146160" cy="223920"/>
+                </a:xfrm>
+                <a:prstGeom prst="rect">
+                  <a:avLst/>
+                </a:prstGeom>
+              </p:spPr>
+            </p:pic>
+          </mc:Fallback>
+        </mc:AlternateContent>
+      </p:grpSp>
+      <mc:AlternateContent xmlns:mc="http://schemas.openxmlformats.org/markup-compatibility/2006">
+        <mc:Choice xmlns:p14="http://schemas.microsoft.com/office/powerpoint/2010/main" Requires="p14">
+          <p:contentPart p14:bwMode="auto" r:id="rId13">
+            <p14:nvContentPartPr>
+              <p14:cNvPr id="14" name="墨迹 13">
+                <a:extLst>
+                  <a:ext uri="{FF2B5EF4-FFF2-40B4-BE49-F238E27FC236}">
+                    <a16:creationId xmlns:a16="http://schemas.microsoft.com/office/drawing/2014/main" id="{C66CEFE1-63E7-BA84-7A7E-404D659D83A6}"/>
+                  </a:ext>
+                </a:extLst>
+              </p14:cNvPr>
+              <p14:cNvContentPartPr/>
+              <p14:nvPr/>
+            </p14:nvContentPartPr>
+            <p14:xfrm>
+              <a:off x="965810" y="791261"/>
+              <a:ext cx="68400" cy="122400"/>
+            </p14:xfrm>
+          </p:contentPart>
+        </mc:Choice>
+        <mc:Fallback>
+          <p:pic>
+            <p:nvPicPr>
+              <p:cNvPr id="14" name="墨迹 13">
+                <a:extLst>
+                  <a:ext uri="{FF2B5EF4-FFF2-40B4-BE49-F238E27FC236}">
+                    <a16:creationId xmlns:a16="http://schemas.microsoft.com/office/drawing/2014/main" id="{C66CEFE1-63E7-BA84-7A7E-404D659D83A6}"/>
+                  </a:ext>
+                </a:extLst>
+              </p:cNvPr>
+              <p:cNvPicPr/>
+              <p:nvPr/>
+            </p:nvPicPr>
+            <p:blipFill>
+              <a:blip r:embed="rId14"/>
+              <a:stretch>
+                <a:fillRect/>
+              </a:stretch>
+            </p:blipFill>
+            <p:spPr>
+              <a:xfrm>
+                <a:off x="956810" y="782621"/>
+                <a:ext cx="86040" cy="140040"/>
+              </a:xfrm>
+              <a:prstGeom prst="rect">
+                <a:avLst/>
+              </a:prstGeom>
+            </p:spPr>
+          </p:pic>
+        </mc:Fallback>
+      </mc:AlternateContent>
+      <mc:AlternateContent xmlns:mc="http://schemas.openxmlformats.org/markup-compatibility/2006">
+        <mc:Choice xmlns:p14="http://schemas.microsoft.com/office/powerpoint/2010/main" Requires="p14">
+          <p:contentPart p14:bwMode="auto" r:id="rId15">
+            <p14:nvContentPartPr>
+              <p14:cNvPr id="15" name="墨迹 14">
+                <a:extLst>
+                  <a:ext uri="{FF2B5EF4-FFF2-40B4-BE49-F238E27FC236}">
+                    <a16:creationId xmlns:a16="http://schemas.microsoft.com/office/drawing/2014/main" id="{0DFF34B8-ED94-88EA-1163-47A2517EE62E}"/>
+                  </a:ext>
+                </a:extLst>
+              </p14:cNvPr>
+              <p14:cNvContentPartPr/>
+              <p14:nvPr/>
+            </p14:nvContentPartPr>
+            <p14:xfrm>
+              <a:off x="758090" y="324341"/>
+              <a:ext cx="285840" cy="286560"/>
+            </p14:xfrm>
+          </p:contentPart>
+        </mc:Choice>
+        <mc:Fallback>
+          <p:pic>
+            <p:nvPicPr>
+              <p:cNvPr id="15" name="墨迹 14">
+                <a:extLst>
+                  <a:ext uri="{FF2B5EF4-FFF2-40B4-BE49-F238E27FC236}">
+                    <a16:creationId xmlns:a16="http://schemas.microsoft.com/office/drawing/2014/main" id="{0DFF34B8-ED94-88EA-1163-47A2517EE62E}"/>
+                  </a:ext>
+                </a:extLst>
+              </p:cNvPr>
+              <p:cNvPicPr/>
+              <p:nvPr/>
+            </p:nvPicPr>
+            <p:blipFill>
+              <a:blip r:embed="rId16"/>
+              <a:stretch>
+                <a:fillRect/>
+              </a:stretch>
+            </p:blipFill>
+            <p:spPr>
+              <a:xfrm>
+                <a:off x="749090" y="315701"/>
+                <a:ext cx="303480" cy="304200"/>
+              </a:xfrm>
+              <a:prstGeom prst="rect">
+                <a:avLst/>
+              </a:prstGeom>
+            </p:spPr>
+          </p:pic>
+        </mc:Fallback>
+      </mc:AlternateContent>
+      <mc:AlternateContent xmlns:mc="http://schemas.openxmlformats.org/markup-compatibility/2006">
+        <mc:Choice xmlns:p14="http://schemas.microsoft.com/office/powerpoint/2010/main" Requires="p14">
+          <p:contentPart p14:bwMode="auto" r:id="rId17">
+            <p14:nvContentPartPr>
+              <p14:cNvPr id="16" name="墨迹 15">
+                <a:extLst>
+                  <a:ext uri="{FF2B5EF4-FFF2-40B4-BE49-F238E27FC236}">
+                    <a16:creationId xmlns:a16="http://schemas.microsoft.com/office/drawing/2014/main" id="{63AE5F53-D711-A11C-5783-8A7D04A02361}"/>
+                  </a:ext>
+                </a:extLst>
+              </p14:cNvPr>
+              <p14:cNvContentPartPr/>
+              <p14:nvPr/>
+            </p14:nvContentPartPr>
+            <p14:xfrm>
+              <a:off x="8730650" y="3313421"/>
+              <a:ext cx="360" cy="360"/>
+            </p14:xfrm>
+          </p:contentPart>
+        </mc:Choice>
+        <mc:Fallback>
+          <p:pic>
+            <p:nvPicPr>
+              <p:cNvPr id="16" name="墨迹 15">
+                <a:extLst>
+                  <a:ext uri="{FF2B5EF4-FFF2-40B4-BE49-F238E27FC236}">
+                    <a16:creationId xmlns:a16="http://schemas.microsoft.com/office/drawing/2014/main" id="{63AE5F53-D711-A11C-5783-8A7D04A02361}"/>
+                  </a:ext>
+                </a:extLst>
+              </p:cNvPr>
+              <p:cNvPicPr/>
+              <p:nvPr/>
+            </p:nvPicPr>
+            <p:blipFill>
+              <a:blip r:embed="rId18"/>
+              <a:stretch>
+                <a:fillRect/>
+              </a:stretch>
+            </p:blipFill>
+            <p:spPr>
+              <a:xfrm>
+                <a:off x="8722010" y="3304781"/>
+                <a:ext cx="18000" cy="18000"/>
+              </a:xfrm>
+              <a:prstGeom prst="rect">
+                <a:avLst/>
+              </a:prstGeom>
+            </p:spPr>
+          </p:pic>
+        </mc:Fallback>
+      </mc:AlternateContent>
+    </p:spTree>
+    <p:extLst>
+      <p:ext uri="{BB962C8B-B14F-4D97-AF65-F5344CB8AC3E}">
+        <p14:creationId xmlns:p14="http://schemas.microsoft.com/office/powerpoint/2010/main" val="3717200449"/>
+      </p:ext>
+    </p:extLst>
+  </p:cSld>
+  <p:clrMapOvr>
+    <a:masterClrMapping/>
+  </p:clrMapOvr>
+</p:sld>
+</file>
+
+<file path=ppt/slides/slide16.xml><?xml version="1.0" encoding="utf-8"?>
+<p:sld xmlns:a="http://schemas.openxmlformats.org/drawingml/2006/main" xmlns:r="http://schemas.openxmlformats.org/officeDocument/2006/relationships" xmlns:p="http://schemas.openxmlformats.org/presentationml/2006/main">
+  <p:cSld>
+    <p:spTree>
+      <p:nvGrpSpPr>
+        <p:cNvPr id="1" name=""/>
+        <p:cNvGrpSpPr/>
+        <p:nvPr/>
+      </p:nvGrpSpPr>
+      <p:grpSpPr>
+        <a:xfrm>
+          <a:off x="0" y="0"/>
+          <a:ext cx="0" cy="0"/>
+          <a:chOff x="0" y="0"/>
+          <a:chExt cx="0" cy="0"/>
+        </a:xfrm>
+      </p:grpSpPr>
+      <p:pic>
+        <p:nvPicPr>
+          <p:cNvPr id="4" name="图片 3">
+            <a:extLst>
+              <a:ext uri="{FF2B5EF4-FFF2-40B4-BE49-F238E27FC236}">
+                <a16:creationId xmlns:a16="http://schemas.microsoft.com/office/drawing/2014/main" id="{C3769DA5-C12F-CE8D-9F22-754EA8841B5A}"/>
+              </a:ext>
+            </a:extLst>
+          </p:cNvPr>
+          <p:cNvPicPr>
+            <a:picLocks noChangeAspect="1"/>
+          </p:cNvPicPr>
+          <p:nvPr/>
+        </p:nvPicPr>
+        <p:blipFill>
+          <a:blip r:embed="rId2"/>
+          <a:stretch>
+            <a:fillRect/>
+          </a:stretch>
+        </p:blipFill>
+        <p:spPr>
+          <a:xfrm>
+            <a:off x="1695450" y="504825"/>
+            <a:ext cx="8801100" cy="5848350"/>
+          </a:xfrm>
+          <a:prstGeom prst="rect">
+            <a:avLst/>
+          </a:prstGeom>
+        </p:spPr>
+      </p:pic>
+      <mc:AlternateContent xmlns:mc="http://schemas.openxmlformats.org/markup-compatibility/2006">
+        <mc:Choice xmlns:p14="http://schemas.microsoft.com/office/powerpoint/2010/main" Requires="p14">
+          <p:contentPart p14:bwMode="auto" r:id="rId3">
+            <p14:nvContentPartPr>
+              <p14:cNvPr id="5" name="墨迹 4">
+                <a:extLst>
+                  <a:ext uri="{FF2B5EF4-FFF2-40B4-BE49-F238E27FC236}">
+                    <a16:creationId xmlns:a16="http://schemas.microsoft.com/office/drawing/2014/main" id="{28FB9863-3332-0A40-4A10-270D6215C251}"/>
+                  </a:ext>
+                </a:extLst>
+              </p14:cNvPr>
+              <p14:cNvContentPartPr/>
+              <p14:nvPr/>
+            </p14:nvContentPartPr>
+            <p14:xfrm>
+              <a:off x="5849570" y="3647141"/>
+              <a:ext cx="468360" cy="907560"/>
+            </p14:xfrm>
+          </p:contentPart>
+        </mc:Choice>
+        <mc:Fallback>
+          <p:pic>
+            <p:nvPicPr>
+              <p:cNvPr id="5" name="墨迹 4">
+                <a:extLst>
+                  <a:ext uri="{FF2B5EF4-FFF2-40B4-BE49-F238E27FC236}">
+                    <a16:creationId xmlns:a16="http://schemas.microsoft.com/office/drawing/2014/main" id="{28FB9863-3332-0A40-4A10-270D6215C251}"/>
+                  </a:ext>
+                </a:extLst>
+              </p:cNvPr>
+              <p:cNvPicPr/>
+              <p:nvPr/>
+            </p:nvPicPr>
+            <p:blipFill>
+              <a:blip r:embed="rId4"/>
+              <a:stretch>
+                <a:fillRect/>
+              </a:stretch>
+            </p:blipFill>
+            <p:spPr>
+              <a:xfrm>
+                <a:off x="5840570" y="3638501"/>
+                <a:ext cx="486000" cy="925200"/>
+              </a:xfrm>
+              <a:prstGeom prst="rect">
+                <a:avLst/>
+              </a:prstGeom>
+            </p:spPr>
+          </p:pic>
+        </mc:Fallback>
+      </mc:AlternateContent>
+    </p:spTree>
+    <p:extLst>
+      <p:ext uri="{BB962C8B-B14F-4D97-AF65-F5344CB8AC3E}">
+        <p14:creationId xmlns:p14="http://schemas.microsoft.com/office/powerpoint/2010/main" val="1873953992"/>
+      </p:ext>
+    </p:extLst>
+  </p:cSld>
+  <p:clrMapOvr>
+    <a:masterClrMapping/>
+  </p:clrMapOvr>
+</p:sld>
+</file>
+
+<file path=ppt/slides/slide17.xml><?xml version="1.0" encoding="utf-8"?>
+<p:sld xmlns:a="http://schemas.openxmlformats.org/drawingml/2006/main" xmlns:r="http://schemas.openxmlformats.org/officeDocument/2006/relationships" xmlns:p="http://schemas.openxmlformats.org/presentationml/2006/main">
+  <p:cSld>
+    <p:spTree>
+      <p:nvGrpSpPr>
+        <p:cNvPr id="1" name=""/>
+        <p:cNvGrpSpPr/>
+        <p:nvPr/>
+      </p:nvGrpSpPr>
+      <p:grpSpPr>
+        <a:xfrm>
+          <a:off x="0" y="0"/>
+          <a:ext cx="0" cy="0"/>
+          <a:chOff x="0" y="0"/>
+          <a:chExt cx="0" cy="0"/>
+        </a:xfrm>
+      </p:grpSpPr>
+      <p:pic>
+        <p:nvPicPr>
+          <p:cNvPr id="4" name="图片 3">
+            <a:extLst>
+              <a:ext uri="{FF2B5EF4-FFF2-40B4-BE49-F238E27FC236}">
+                <a16:creationId xmlns:a16="http://schemas.microsoft.com/office/drawing/2014/main" id="{0BC37D1B-6B62-9773-3CBB-0A7769275B54}"/>
+              </a:ext>
+            </a:extLst>
+          </p:cNvPr>
+          <p:cNvPicPr>
+            <a:picLocks noChangeAspect="1"/>
+          </p:cNvPicPr>
+          <p:nvPr/>
+        </p:nvPicPr>
+        <p:blipFill>
+          <a:blip r:embed="rId2"/>
+          <a:stretch>
+            <a:fillRect/>
+          </a:stretch>
+        </p:blipFill>
+        <p:spPr>
+          <a:xfrm>
+            <a:off x="804988" y="452284"/>
+            <a:ext cx="10346539" cy="5574891"/>
+          </a:xfrm>
+          <a:prstGeom prst="rect">
+            <a:avLst/>
+          </a:prstGeom>
+        </p:spPr>
+      </p:pic>
+      <mc:AlternateContent xmlns:mc="http://schemas.openxmlformats.org/markup-compatibility/2006">
+        <mc:Choice xmlns:p14="http://schemas.microsoft.com/office/powerpoint/2010/main" Requires="p14">
+          <p:contentPart p14:bwMode="auto" r:id="rId3">
+            <p14:nvContentPartPr>
+              <p14:cNvPr id="5" name="墨迹 4">
+                <a:extLst>
+                  <a:ext uri="{FF2B5EF4-FFF2-40B4-BE49-F238E27FC236}">
+                    <a16:creationId xmlns:a16="http://schemas.microsoft.com/office/drawing/2014/main" id="{9095F12D-A760-B933-3EA0-35FA40512C09}"/>
+                  </a:ext>
+                </a:extLst>
+              </p14:cNvPr>
+              <p14:cNvContentPartPr/>
+              <p14:nvPr/>
+            </p14:nvContentPartPr>
+            <p14:xfrm>
+              <a:off x="1003610" y="3656141"/>
+              <a:ext cx="793440" cy="540360"/>
+            </p14:xfrm>
+          </p:contentPart>
+        </mc:Choice>
+        <mc:Fallback>
+          <p:pic>
+            <p:nvPicPr>
+              <p:cNvPr id="5" name="墨迹 4">
+                <a:extLst>
+                  <a:ext uri="{FF2B5EF4-FFF2-40B4-BE49-F238E27FC236}">
+                    <a16:creationId xmlns:a16="http://schemas.microsoft.com/office/drawing/2014/main" id="{9095F12D-A760-B933-3EA0-35FA40512C09}"/>
+                  </a:ext>
+                </a:extLst>
+              </p:cNvPr>
+              <p:cNvPicPr/>
+              <p:nvPr/>
+            </p:nvPicPr>
+            <p:blipFill>
+              <a:blip r:embed="rId4"/>
+              <a:stretch>
+                <a:fillRect/>
+              </a:stretch>
+            </p:blipFill>
+            <p:spPr>
+              <a:xfrm>
+                <a:off x="994610" y="3647501"/>
+                <a:ext cx="811080" cy="558000"/>
+              </a:xfrm>
+              <a:prstGeom prst="rect">
+                <a:avLst/>
+              </a:prstGeom>
+            </p:spPr>
+          </p:pic>
+        </mc:Fallback>
+      </mc:AlternateContent>
+    </p:spTree>
+    <p:extLst>
+      <p:ext uri="{BB962C8B-B14F-4D97-AF65-F5344CB8AC3E}">
+        <p14:creationId xmlns:p14="http://schemas.microsoft.com/office/powerpoint/2010/main" val="2637468786"/>
+      </p:ext>
+    </p:extLst>
+  </p:cSld>
+  <p:clrMapOvr>
+    <a:masterClrMapping/>
+  </p:clrMapOvr>
+</p:sld>
+</file>
+
+<file path=ppt/slides/slide18.xml><?xml version="1.0" encoding="utf-8"?>
+<p:sld xmlns:a="http://schemas.openxmlformats.org/drawingml/2006/main" xmlns:r="http://schemas.openxmlformats.org/officeDocument/2006/relationships" xmlns:p="http://schemas.openxmlformats.org/presentationml/2006/main">
+  <p:cSld>
+    <p:spTree>
+      <p:nvGrpSpPr>
+        <p:cNvPr id="1" name=""/>
+        <p:cNvGrpSpPr/>
+        <p:nvPr/>
+      </p:nvGrpSpPr>
+      <p:grpSpPr>
+        <a:xfrm>
+          <a:off x="0" y="0"/>
+          <a:ext cx="0" cy="0"/>
+          <a:chOff x="0" y="0"/>
+          <a:chExt cx="0" cy="0"/>
+        </a:xfrm>
+      </p:grpSpPr>
+      <p:pic>
+        <p:nvPicPr>
+          <p:cNvPr id="6" name="图片 5">
+            <a:extLst>
+              <a:ext uri="{FF2B5EF4-FFF2-40B4-BE49-F238E27FC236}">
+                <a16:creationId xmlns:a16="http://schemas.microsoft.com/office/drawing/2014/main" id="{913E91BF-20D6-65AE-C936-461C6A54592C}"/>
+              </a:ext>
+            </a:extLst>
+          </p:cNvPr>
+          <p:cNvPicPr>
+            <a:picLocks noChangeAspect="1"/>
+          </p:cNvPicPr>
+          <p:nvPr/>
+        </p:nvPicPr>
+        <p:blipFill>
+          <a:blip r:embed="rId2"/>
+          <a:stretch>
+            <a:fillRect/>
+          </a:stretch>
+        </p:blipFill>
+        <p:spPr>
+          <a:xfrm>
+            <a:off x="0" y="3322883"/>
+            <a:ext cx="12192000" cy="3181578"/>
+          </a:xfrm>
+          <a:prstGeom prst="rect">
+            <a:avLst/>
+          </a:prstGeom>
+        </p:spPr>
+      </p:pic>
+      <p:pic>
+        <p:nvPicPr>
+          <p:cNvPr id="7" name="图片 6">
+            <a:extLst>
+              <a:ext uri="{FF2B5EF4-FFF2-40B4-BE49-F238E27FC236}">
+                <a16:creationId xmlns:a16="http://schemas.microsoft.com/office/drawing/2014/main" id="{FA08F3E6-6ADE-775A-0EC6-A3D19F92D315}"/>
+              </a:ext>
+            </a:extLst>
+          </p:cNvPr>
+          <p:cNvPicPr>
+            <a:picLocks noChangeAspect="1"/>
+          </p:cNvPicPr>
+          <p:nvPr/>
+        </p:nvPicPr>
+        <p:blipFill>
+          <a:blip r:embed="rId3"/>
+          <a:stretch>
+            <a:fillRect/>
+          </a:stretch>
+        </p:blipFill>
+        <p:spPr>
+          <a:xfrm>
+            <a:off x="0" y="1532183"/>
+            <a:ext cx="11268075" cy="1790700"/>
+          </a:xfrm>
+          <a:prstGeom prst="rect">
+            <a:avLst/>
+          </a:prstGeom>
+        </p:spPr>
+      </p:pic>
+      <p:pic>
+        <p:nvPicPr>
+          <p:cNvPr id="8" name="图片 7">
+            <a:extLst>
+              <a:ext uri="{FF2B5EF4-FFF2-40B4-BE49-F238E27FC236}">
+                <a16:creationId xmlns:a16="http://schemas.microsoft.com/office/drawing/2014/main" id="{49D99496-D879-37F5-1007-383710686E78}"/>
+              </a:ext>
+            </a:extLst>
+          </p:cNvPr>
+          <p:cNvPicPr>
+            <a:picLocks noChangeAspect="1"/>
+          </p:cNvPicPr>
+          <p:nvPr/>
+        </p:nvPicPr>
+        <p:blipFill>
+          <a:blip r:embed="rId4"/>
+          <a:stretch>
+            <a:fillRect/>
+          </a:stretch>
+        </p:blipFill>
+        <p:spPr>
+          <a:xfrm>
+            <a:off x="0" y="1132845"/>
+            <a:ext cx="6962775" cy="438150"/>
+          </a:xfrm>
+          <a:prstGeom prst="rect">
+            <a:avLst/>
+          </a:prstGeom>
+        </p:spPr>
+      </p:pic>
+      <mc:AlternateContent xmlns:mc="http://schemas.openxmlformats.org/markup-compatibility/2006">
+        <mc:Choice xmlns:p14="http://schemas.microsoft.com/office/powerpoint/2010/main" Requires="p14">
+          <p:contentPart p14:bwMode="auto" r:id="rId5">
+            <p14:nvContentPartPr>
+              <p14:cNvPr id="9" name="墨迹 8">
+                <a:extLst>
+                  <a:ext uri="{FF2B5EF4-FFF2-40B4-BE49-F238E27FC236}">
+                    <a16:creationId xmlns:a16="http://schemas.microsoft.com/office/drawing/2014/main" id="{6030286A-CB33-5C12-DDB2-6D5FEEE9161B}"/>
+                  </a:ext>
+                </a:extLst>
+              </p14:cNvPr>
+              <p14:cNvContentPartPr/>
+              <p14:nvPr/>
+            </p14:nvContentPartPr>
+            <p14:xfrm>
+              <a:off x="6158450" y="3537341"/>
+              <a:ext cx="1305720" cy="1231920"/>
+            </p14:xfrm>
+          </p:contentPart>
+        </mc:Choice>
+        <mc:Fallback>
+          <p:pic>
+            <p:nvPicPr>
+              <p:cNvPr id="9" name="墨迹 8">
+                <a:extLst>
+                  <a:ext uri="{FF2B5EF4-FFF2-40B4-BE49-F238E27FC236}">
+                    <a16:creationId xmlns:a16="http://schemas.microsoft.com/office/drawing/2014/main" id="{6030286A-CB33-5C12-DDB2-6D5FEEE9161B}"/>
+                  </a:ext>
+                </a:extLst>
+              </p:cNvPr>
+              <p:cNvPicPr/>
+              <p:nvPr/>
+            </p:nvPicPr>
+            <p:blipFill>
+              <a:blip r:embed="rId6"/>
+              <a:stretch>
+                <a:fillRect/>
+              </a:stretch>
+            </p:blipFill>
+            <p:spPr>
+              <a:xfrm>
+                <a:off x="6149450" y="3528341"/>
+                <a:ext cx="1323360" cy="1249560"/>
+              </a:xfrm>
+              <a:prstGeom prst="rect">
+                <a:avLst/>
+              </a:prstGeom>
+            </p:spPr>
+          </p:pic>
+        </mc:Fallback>
+      </mc:AlternateContent>
+      <p:pic>
+        <p:nvPicPr>
+          <p:cNvPr id="11" name="图片 10">
+            <a:extLst>
+              <a:ext uri="{FF2B5EF4-FFF2-40B4-BE49-F238E27FC236}">
+                <a16:creationId xmlns:a16="http://schemas.microsoft.com/office/drawing/2014/main" id="{F516C015-1A03-ADB8-F5A3-BE4317D3A721}"/>
+              </a:ext>
+            </a:extLst>
+          </p:cNvPr>
+          <p:cNvPicPr>
+            <a:picLocks noChangeAspect="1"/>
+          </p:cNvPicPr>
+          <p:nvPr/>
+        </p:nvPicPr>
+        <p:blipFill>
+          <a:blip r:embed="rId7"/>
+          <a:stretch>
+            <a:fillRect/>
+          </a:stretch>
+        </p:blipFill>
+        <p:spPr>
+          <a:xfrm>
+            <a:off x="0" y="353539"/>
+            <a:ext cx="4286250" cy="733425"/>
+          </a:xfrm>
+          <a:prstGeom prst="rect">
+            <a:avLst/>
+          </a:prstGeom>
+        </p:spPr>
+      </p:pic>
+    </p:spTree>
+    <p:extLst>
+      <p:ext uri="{BB962C8B-B14F-4D97-AF65-F5344CB8AC3E}">
+        <p14:creationId xmlns:p14="http://schemas.microsoft.com/office/powerpoint/2010/main" val="2642759788"/>
       </p:ext>
     </p:extLst>
   </p:cSld>
